--- a/output/images/paper1-scheme.pptx
+++ b/output/images/paper1-scheme.pptx
@@ -2,7 +2,7 @@
 <file path=ppt/presentation.xml><?xml version="1.0" encoding="utf-8"?>
 <p:presentation xmlns:a="http://schemas.openxmlformats.org/drawingml/2006/main" xmlns:r="http://schemas.openxmlformats.org/officeDocument/2006/relationships" xmlns:p="http://schemas.openxmlformats.org/presentationml/2006/main" saveSubsetFonts="1">
   <p:sldMasterIdLst>
-    <p:sldMasterId id="2147483828" r:id="rId1"/>
+    <p:sldMasterId id="2147483840" r:id="rId1"/>
   </p:sldMasterIdLst>
   <p:notesMasterIdLst>
     <p:notesMasterId r:id="rId3"/>
@@ -10,7 +10,7 @@
   <p:sldIdLst>
     <p:sldId id="267" r:id="rId2"/>
   </p:sldIdLst>
-  <p:sldSz cx="4800600" cy="3600450"/>
+  <p:sldSz cx="4800600" cy="2925763"/>
   <p:notesSz cx="6858000" cy="9144000"/>
   <p:defaultTextStyle>
     <a:defPPr>
@@ -118,10 +118,400 @@
 <file path=ppt/revisionInfo.xml><?xml version="1.0" encoding="utf-8"?>
 <p1510:revInfo xmlns:a="http://schemas.openxmlformats.org/drawingml/2006/main" xmlns:r="http://schemas.openxmlformats.org/officeDocument/2006/relationships" xmlns:p1510="http://schemas.microsoft.com/office/powerpoint/2015/10/main">
   <p1510:revLst>
-    <p1510:client id="{D37C5BFC-D493-4820-B070-06CC549CA938}" v="4" dt="2024-05-22T08:55:20.689"/>
-    <p1510:client id="{FF64CFB8-A129-49D9-A82C-5586398284F9}" v="20" dt="2024-05-22T09:10:02.547"/>
+    <p1510:client id="{FF64CFB8-A129-49D9-A82C-5586398284F9}" v="23" dt="2024-09-25T13:23:37.420"/>
   </p1510:revLst>
 </p1510:revInfo>
+</file>
+
+<file path=ppt/changesInfos/changesInfo1.xml><?xml version="1.0" encoding="utf-8"?>
+<pc:chgInfo xmlns:a="http://schemas.openxmlformats.org/drawingml/2006/main" xmlns:r="http://schemas.openxmlformats.org/officeDocument/2006/relationships" xmlns:ac="http://schemas.microsoft.com/office/drawing/2013/main/command" xmlns:pc="http://schemas.microsoft.com/office/powerpoint/2013/main/command">
+  <pc:docChgLst>
+    <pc:chgData name="Iturra, Julio" userId="1e32fb54-b3a6-4f6a-9acb-bd9611b4f02e" providerId="ADAL" clId="{FF64CFB8-A129-49D9-A82C-5586398284F9}"/>
+    <pc:docChg chg="modSld modMainMaster modNotesMaster">
+      <pc:chgData name="Iturra, Julio" userId="1e32fb54-b3a6-4f6a-9acb-bd9611b4f02e" providerId="ADAL" clId="{FF64CFB8-A129-49D9-A82C-5586398284F9}" dt="2024-09-25T13:23:27.674" v="0"/>
+      <pc:docMkLst>
+        <pc:docMk/>
+      </pc:docMkLst>
+      <pc:sldChg chg="modSp modNotes">
+        <pc:chgData name="Iturra, Julio" userId="1e32fb54-b3a6-4f6a-9acb-bd9611b4f02e" providerId="ADAL" clId="{FF64CFB8-A129-49D9-A82C-5586398284F9}" dt="2024-09-25T13:23:27.674" v="0"/>
+        <pc:sldMkLst>
+          <pc:docMk/>
+          <pc:sldMk cId="1176081557" sldId="267"/>
+        </pc:sldMkLst>
+        <pc:spChg chg="mod">
+          <ac:chgData name="Iturra, Julio" userId="1e32fb54-b3a6-4f6a-9acb-bd9611b4f02e" providerId="ADAL" clId="{FF64CFB8-A129-49D9-A82C-5586398284F9}" dt="2024-09-25T13:23:27.674" v="0"/>
+          <ac:spMkLst>
+            <pc:docMk/>
+            <pc:sldMk cId="1176081557" sldId="267"/>
+            <ac:spMk id="5" creationId="{426FE474-D0FD-1684-BCA6-DB8BE9234090}"/>
+          </ac:spMkLst>
+        </pc:spChg>
+        <pc:spChg chg="mod">
+          <ac:chgData name="Iturra, Julio" userId="1e32fb54-b3a6-4f6a-9acb-bd9611b4f02e" providerId="ADAL" clId="{FF64CFB8-A129-49D9-A82C-5586398284F9}" dt="2024-09-25T13:23:27.674" v="0"/>
+          <ac:spMkLst>
+            <pc:docMk/>
+            <pc:sldMk cId="1176081557" sldId="267"/>
+            <ac:spMk id="8" creationId="{8FA6A46F-E49F-E4E2-5BDA-DBE5392B5716}"/>
+          </ac:spMkLst>
+        </pc:spChg>
+        <pc:spChg chg="mod">
+          <ac:chgData name="Iturra, Julio" userId="1e32fb54-b3a6-4f6a-9acb-bd9611b4f02e" providerId="ADAL" clId="{FF64CFB8-A129-49D9-A82C-5586398284F9}" dt="2024-09-25T13:23:27.674" v="0"/>
+          <ac:spMkLst>
+            <pc:docMk/>
+            <pc:sldMk cId="1176081557" sldId="267"/>
+            <ac:spMk id="23" creationId="{78596478-4705-2B0A-B5A3-4EB09D1F456C}"/>
+          </ac:spMkLst>
+        </pc:spChg>
+        <pc:spChg chg="mod">
+          <ac:chgData name="Iturra, Julio" userId="1e32fb54-b3a6-4f6a-9acb-bd9611b4f02e" providerId="ADAL" clId="{FF64CFB8-A129-49D9-A82C-5586398284F9}" dt="2024-09-25T13:23:27.674" v="0"/>
+          <ac:spMkLst>
+            <pc:docMk/>
+            <pc:sldMk cId="1176081557" sldId="267"/>
+            <ac:spMk id="26" creationId="{FB028262-CA3A-E3FB-DDC3-0FFDD9B90457}"/>
+          </ac:spMkLst>
+        </pc:spChg>
+        <pc:spChg chg="mod">
+          <ac:chgData name="Iturra, Julio" userId="1e32fb54-b3a6-4f6a-9acb-bd9611b4f02e" providerId="ADAL" clId="{FF64CFB8-A129-49D9-A82C-5586398284F9}" dt="2024-09-25T13:23:27.674" v="0"/>
+          <ac:spMkLst>
+            <pc:docMk/>
+            <pc:sldMk cId="1176081557" sldId="267"/>
+            <ac:spMk id="27" creationId="{E5431E05-E617-0B38-8E72-D9CB3C56DF4F}"/>
+          </ac:spMkLst>
+        </pc:spChg>
+        <pc:spChg chg="mod">
+          <ac:chgData name="Iturra, Julio" userId="1e32fb54-b3a6-4f6a-9acb-bd9611b4f02e" providerId="ADAL" clId="{FF64CFB8-A129-49D9-A82C-5586398284F9}" dt="2024-09-25T13:23:27.674" v="0"/>
+          <ac:spMkLst>
+            <pc:docMk/>
+            <pc:sldMk cId="1176081557" sldId="267"/>
+            <ac:spMk id="30" creationId="{70261B79-5D89-227D-9429-3BF0A8DD0692}"/>
+          </ac:spMkLst>
+        </pc:spChg>
+        <pc:spChg chg="mod">
+          <ac:chgData name="Iturra, Julio" userId="1e32fb54-b3a6-4f6a-9acb-bd9611b4f02e" providerId="ADAL" clId="{FF64CFB8-A129-49D9-A82C-5586398284F9}" dt="2024-09-25T13:23:27.674" v="0"/>
+          <ac:spMkLst>
+            <pc:docMk/>
+            <pc:sldMk cId="1176081557" sldId="267"/>
+            <ac:spMk id="180" creationId="{00000000-0000-0000-0000-000000000000}"/>
+          </ac:spMkLst>
+        </pc:spChg>
+        <pc:grpChg chg="mod">
+          <ac:chgData name="Iturra, Julio" userId="1e32fb54-b3a6-4f6a-9acb-bd9611b4f02e" providerId="ADAL" clId="{FF64CFB8-A129-49D9-A82C-5586398284F9}" dt="2024-09-25T13:23:27.674" v="0"/>
+          <ac:grpSpMkLst>
+            <pc:docMk/>
+            <pc:sldMk cId="1176081557" sldId="267"/>
+            <ac:grpSpMk id="25" creationId="{B56288A2-3801-A866-D346-A89EFCFEA2B2}"/>
+          </ac:grpSpMkLst>
+        </pc:grpChg>
+        <pc:cxnChg chg="mod">
+          <ac:chgData name="Iturra, Julio" userId="1e32fb54-b3a6-4f6a-9acb-bd9611b4f02e" providerId="ADAL" clId="{FF64CFB8-A129-49D9-A82C-5586398284F9}" dt="2024-09-25T13:23:27.674" v="0"/>
+          <ac:cxnSpMkLst>
+            <pc:docMk/>
+            <pc:sldMk cId="1176081557" sldId="267"/>
+            <ac:cxnSpMk id="11" creationId="{E090F750-C288-3515-A8A3-691C2EB72BC2}"/>
+          </ac:cxnSpMkLst>
+        </pc:cxnChg>
+        <pc:cxnChg chg="mod">
+          <ac:chgData name="Iturra, Julio" userId="1e32fb54-b3a6-4f6a-9acb-bd9611b4f02e" providerId="ADAL" clId="{FF64CFB8-A129-49D9-A82C-5586398284F9}" dt="2024-09-25T13:23:27.674" v="0"/>
+          <ac:cxnSpMkLst>
+            <pc:docMk/>
+            <pc:sldMk cId="1176081557" sldId="267"/>
+            <ac:cxnSpMk id="21" creationId="{39CEF046-CDC0-ECE0-1896-2212472F6031}"/>
+          </ac:cxnSpMkLst>
+        </pc:cxnChg>
+        <pc:cxnChg chg="mod">
+          <ac:chgData name="Iturra, Julio" userId="1e32fb54-b3a6-4f6a-9acb-bd9611b4f02e" providerId="ADAL" clId="{FF64CFB8-A129-49D9-A82C-5586398284F9}" dt="2024-09-25T13:23:27.674" v="0"/>
+          <ac:cxnSpMkLst>
+            <pc:docMk/>
+            <pc:sldMk cId="1176081557" sldId="267"/>
+            <ac:cxnSpMk id="114" creationId="{00000000-0000-0000-0000-000000000000}"/>
+          </ac:cxnSpMkLst>
+        </pc:cxnChg>
+        <pc:cxnChg chg="mod">
+          <ac:chgData name="Iturra, Julio" userId="1e32fb54-b3a6-4f6a-9acb-bd9611b4f02e" providerId="ADAL" clId="{FF64CFB8-A129-49D9-A82C-5586398284F9}" dt="2024-09-25T13:23:27.674" v="0"/>
+          <ac:cxnSpMkLst>
+            <pc:docMk/>
+            <pc:sldMk cId="1176081557" sldId="267"/>
+            <ac:cxnSpMk id="120" creationId="{00000000-0000-0000-0000-000000000000}"/>
+          </ac:cxnSpMkLst>
+        </pc:cxnChg>
+      </pc:sldChg>
+      <pc:sldMasterChg chg="modSp modSldLayout">
+        <pc:chgData name="Iturra, Julio" userId="1e32fb54-b3a6-4f6a-9acb-bd9611b4f02e" providerId="ADAL" clId="{FF64CFB8-A129-49D9-A82C-5586398284F9}" dt="2024-09-25T13:23:27.674" v="0"/>
+        <pc:sldMasterMkLst>
+          <pc:docMk/>
+          <pc:sldMasterMk cId="1297426670" sldId="2147483828"/>
+        </pc:sldMasterMkLst>
+        <pc:spChg chg="mod">
+          <ac:chgData name="Iturra, Julio" userId="1e32fb54-b3a6-4f6a-9acb-bd9611b4f02e" providerId="ADAL" clId="{FF64CFB8-A129-49D9-A82C-5586398284F9}" dt="2024-09-25T13:23:27.674" v="0"/>
+          <ac:spMkLst>
+            <pc:docMk/>
+            <pc:sldMasterMk cId="1297426670" sldId="2147483828"/>
+            <ac:spMk id="2" creationId="{00000000-0000-0000-0000-000000000000}"/>
+          </ac:spMkLst>
+        </pc:spChg>
+        <pc:spChg chg="mod">
+          <ac:chgData name="Iturra, Julio" userId="1e32fb54-b3a6-4f6a-9acb-bd9611b4f02e" providerId="ADAL" clId="{FF64CFB8-A129-49D9-A82C-5586398284F9}" dt="2024-09-25T13:23:27.674" v="0"/>
+          <ac:spMkLst>
+            <pc:docMk/>
+            <pc:sldMasterMk cId="1297426670" sldId="2147483828"/>
+            <ac:spMk id="3" creationId="{00000000-0000-0000-0000-000000000000}"/>
+          </ac:spMkLst>
+        </pc:spChg>
+        <pc:spChg chg="mod">
+          <ac:chgData name="Iturra, Julio" userId="1e32fb54-b3a6-4f6a-9acb-bd9611b4f02e" providerId="ADAL" clId="{FF64CFB8-A129-49D9-A82C-5586398284F9}" dt="2024-09-25T13:23:27.674" v="0"/>
+          <ac:spMkLst>
+            <pc:docMk/>
+            <pc:sldMasterMk cId="1297426670" sldId="2147483828"/>
+            <ac:spMk id="4" creationId="{00000000-0000-0000-0000-000000000000}"/>
+          </ac:spMkLst>
+        </pc:spChg>
+        <pc:spChg chg="mod">
+          <ac:chgData name="Iturra, Julio" userId="1e32fb54-b3a6-4f6a-9acb-bd9611b4f02e" providerId="ADAL" clId="{FF64CFB8-A129-49D9-A82C-5586398284F9}" dt="2024-09-25T13:23:27.674" v="0"/>
+          <ac:spMkLst>
+            <pc:docMk/>
+            <pc:sldMasterMk cId="1297426670" sldId="2147483828"/>
+            <ac:spMk id="5" creationId="{00000000-0000-0000-0000-000000000000}"/>
+          </ac:spMkLst>
+        </pc:spChg>
+        <pc:spChg chg="mod">
+          <ac:chgData name="Iturra, Julio" userId="1e32fb54-b3a6-4f6a-9acb-bd9611b4f02e" providerId="ADAL" clId="{FF64CFB8-A129-49D9-A82C-5586398284F9}" dt="2024-09-25T13:23:27.674" v="0"/>
+          <ac:spMkLst>
+            <pc:docMk/>
+            <pc:sldMasterMk cId="1297426670" sldId="2147483828"/>
+            <ac:spMk id="6" creationId="{00000000-0000-0000-0000-000000000000}"/>
+          </ac:spMkLst>
+        </pc:spChg>
+        <pc:sldLayoutChg chg="modSp">
+          <pc:chgData name="Iturra, Julio" userId="1e32fb54-b3a6-4f6a-9acb-bd9611b4f02e" providerId="ADAL" clId="{FF64CFB8-A129-49D9-A82C-5586398284F9}" dt="2024-09-25T13:23:27.674" v="0"/>
+          <pc:sldLayoutMkLst>
+            <pc:docMk/>
+            <pc:sldMasterMk cId="1297426670" sldId="2147483828"/>
+            <pc:sldLayoutMk cId="2871183273" sldId="2147483829"/>
+          </pc:sldLayoutMkLst>
+          <pc:spChg chg="mod">
+            <ac:chgData name="Iturra, Julio" userId="1e32fb54-b3a6-4f6a-9acb-bd9611b4f02e" providerId="ADAL" clId="{FF64CFB8-A129-49D9-A82C-5586398284F9}" dt="2024-09-25T13:23:27.674" v="0"/>
+            <ac:spMkLst>
+              <pc:docMk/>
+              <pc:sldMasterMk cId="1297426670" sldId="2147483828"/>
+              <pc:sldLayoutMk cId="2871183273" sldId="2147483829"/>
+              <ac:spMk id="2" creationId="{00000000-0000-0000-0000-000000000000}"/>
+            </ac:spMkLst>
+          </pc:spChg>
+          <pc:spChg chg="mod">
+            <ac:chgData name="Iturra, Julio" userId="1e32fb54-b3a6-4f6a-9acb-bd9611b4f02e" providerId="ADAL" clId="{FF64CFB8-A129-49D9-A82C-5586398284F9}" dt="2024-09-25T13:23:27.674" v="0"/>
+            <ac:spMkLst>
+              <pc:docMk/>
+              <pc:sldMasterMk cId="1297426670" sldId="2147483828"/>
+              <pc:sldLayoutMk cId="2871183273" sldId="2147483829"/>
+              <ac:spMk id="3" creationId="{00000000-0000-0000-0000-000000000000}"/>
+            </ac:spMkLst>
+          </pc:spChg>
+        </pc:sldLayoutChg>
+        <pc:sldLayoutChg chg="modSp">
+          <pc:chgData name="Iturra, Julio" userId="1e32fb54-b3a6-4f6a-9acb-bd9611b4f02e" providerId="ADAL" clId="{FF64CFB8-A129-49D9-A82C-5586398284F9}" dt="2024-09-25T13:23:27.674" v="0"/>
+          <pc:sldLayoutMkLst>
+            <pc:docMk/>
+            <pc:sldMasterMk cId="1297426670" sldId="2147483828"/>
+            <pc:sldLayoutMk cId="1736440576" sldId="2147483831"/>
+          </pc:sldLayoutMkLst>
+          <pc:spChg chg="mod">
+            <ac:chgData name="Iturra, Julio" userId="1e32fb54-b3a6-4f6a-9acb-bd9611b4f02e" providerId="ADAL" clId="{FF64CFB8-A129-49D9-A82C-5586398284F9}" dt="2024-09-25T13:23:27.674" v="0"/>
+            <ac:spMkLst>
+              <pc:docMk/>
+              <pc:sldMasterMk cId="1297426670" sldId="2147483828"/>
+              <pc:sldLayoutMk cId="1736440576" sldId="2147483831"/>
+              <ac:spMk id="2" creationId="{00000000-0000-0000-0000-000000000000}"/>
+            </ac:spMkLst>
+          </pc:spChg>
+          <pc:spChg chg="mod">
+            <ac:chgData name="Iturra, Julio" userId="1e32fb54-b3a6-4f6a-9acb-bd9611b4f02e" providerId="ADAL" clId="{FF64CFB8-A129-49D9-A82C-5586398284F9}" dt="2024-09-25T13:23:27.674" v="0"/>
+            <ac:spMkLst>
+              <pc:docMk/>
+              <pc:sldMasterMk cId="1297426670" sldId="2147483828"/>
+              <pc:sldLayoutMk cId="1736440576" sldId="2147483831"/>
+              <ac:spMk id="3" creationId="{00000000-0000-0000-0000-000000000000}"/>
+            </ac:spMkLst>
+          </pc:spChg>
+        </pc:sldLayoutChg>
+        <pc:sldLayoutChg chg="modSp">
+          <pc:chgData name="Iturra, Julio" userId="1e32fb54-b3a6-4f6a-9acb-bd9611b4f02e" providerId="ADAL" clId="{FF64CFB8-A129-49D9-A82C-5586398284F9}" dt="2024-09-25T13:23:27.674" v="0"/>
+          <pc:sldLayoutMkLst>
+            <pc:docMk/>
+            <pc:sldMasterMk cId="1297426670" sldId="2147483828"/>
+            <pc:sldLayoutMk cId="2100372203" sldId="2147483832"/>
+          </pc:sldLayoutMkLst>
+          <pc:spChg chg="mod">
+            <ac:chgData name="Iturra, Julio" userId="1e32fb54-b3a6-4f6a-9acb-bd9611b4f02e" providerId="ADAL" clId="{FF64CFB8-A129-49D9-A82C-5586398284F9}" dt="2024-09-25T13:23:27.674" v="0"/>
+            <ac:spMkLst>
+              <pc:docMk/>
+              <pc:sldMasterMk cId="1297426670" sldId="2147483828"/>
+              <pc:sldLayoutMk cId="2100372203" sldId="2147483832"/>
+              <ac:spMk id="3" creationId="{00000000-0000-0000-0000-000000000000}"/>
+            </ac:spMkLst>
+          </pc:spChg>
+          <pc:spChg chg="mod">
+            <ac:chgData name="Iturra, Julio" userId="1e32fb54-b3a6-4f6a-9acb-bd9611b4f02e" providerId="ADAL" clId="{FF64CFB8-A129-49D9-A82C-5586398284F9}" dt="2024-09-25T13:23:27.674" v="0"/>
+            <ac:spMkLst>
+              <pc:docMk/>
+              <pc:sldMasterMk cId="1297426670" sldId="2147483828"/>
+              <pc:sldLayoutMk cId="2100372203" sldId="2147483832"/>
+              <ac:spMk id="4" creationId="{00000000-0000-0000-0000-000000000000}"/>
+            </ac:spMkLst>
+          </pc:spChg>
+        </pc:sldLayoutChg>
+        <pc:sldLayoutChg chg="modSp">
+          <pc:chgData name="Iturra, Julio" userId="1e32fb54-b3a6-4f6a-9acb-bd9611b4f02e" providerId="ADAL" clId="{FF64CFB8-A129-49D9-A82C-5586398284F9}" dt="2024-09-25T13:23:27.674" v="0"/>
+          <pc:sldLayoutMkLst>
+            <pc:docMk/>
+            <pc:sldMasterMk cId="1297426670" sldId="2147483828"/>
+            <pc:sldLayoutMk cId="3024884783" sldId="2147483833"/>
+          </pc:sldLayoutMkLst>
+          <pc:spChg chg="mod">
+            <ac:chgData name="Iturra, Julio" userId="1e32fb54-b3a6-4f6a-9acb-bd9611b4f02e" providerId="ADAL" clId="{FF64CFB8-A129-49D9-A82C-5586398284F9}" dt="2024-09-25T13:23:27.674" v="0"/>
+            <ac:spMkLst>
+              <pc:docMk/>
+              <pc:sldMasterMk cId="1297426670" sldId="2147483828"/>
+              <pc:sldLayoutMk cId="3024884783" sldId="2147483833"/>
+              <ac:spMk id="2" creationId="{00000000-0000-0000-0000-000000000000}"/>
+            </ac:spMkLst>
+          </pc:spChg>
+          <pc:spChg chg="mod">
+            <ac:chgData name="Iturra, Julio" userId="1e32fb54-b3a6-4f6a-9acb-bd9611b4f02e" providerId="ADAL" clId="{FF64CFB8-A129-49D9-A82C-5586398284F9}" dt="2024-09-25T13:23:27.674" v="0"/>
+            <ac:spMkLst>
+              <pc:docMk/>
+              <pc:sldMasterMk cId="1297426670" sldId="2147483828"/>
+              <pc:sldLayoutMk cId="3024884783" sldId="2147483833"/>
+              <ac:spMk id="3" creationId="{00000000-0000-0000-0000-000000000000}"/>
+            </ac:spMkLst>
+          </pc:spChg>
+          <pc:spChg chg="mod">
+            <ac:chgData name="Iturra, Julio" userId="1e32fb54-b3a6-4f6a-9acb-bd9611b4f02e" providerId="ADAL" clId="{FF64CFB8-A129-49D9-A82C-5586398284F9}" dt="2024-09-25T13:23:27.674" v="0"/>
+            <ac:spMkLst>
+              <pc:docMk/>
+              <pc:sldMasterMk cId="1297426670" sldId="2147483828"/>
+              <pc:sldLayoutMk cId="3024884783" sldId="2147483833"/>
+              <ac:spMk id="4" creationId="{00000000-0000-0000-0000-000000000000}"/>
+            </ac:spMkLst>
+          </pc:spChg>
+          <pc:spChg chg="mod">
+            <ac:chgData name="Iturra, Julio" userId="1e32fb54-b3a6-4f6a-9acb-bd9611b4f02e" providerId="ADAL" clId="{FF64CFB8-A129-49D9-A82C-5586398284F9}" dt="2024-09-25T13:23:27.674" v="0"/>
+            <ac:spMkLst>
+              <pc:docMk/>
+              <pc:sldMasterMk cId="1297426670" sldId="2147483828"/>
+              <pc:sldLayoutMk cId="3024884783" sldId="2147483833"/>
+              <ac:spMk id="5" creationId="{00000000-0000-0000-0000-000000000000}"/>
+            </ac:spMkLst>
+          </pc:spChg>
+          <pc:spChg chg="mod">
+            <ac:chgData name="Iturra, Julio" userId="1e32fb54-b3a6-4f6a-9acb-bd9611b4f02e" providerId="ADAL" clId="{FF64CFB8-A129-49D9-A82C-5586398284F9}" dt="2024-09-25T13:23:27.674" v="0"/>
+            <ac:spMkLst>
+              <pc:docMk/>
+              <pc:sldMasterMk cId="1297426670" sldId="2147483828"/>
+              <pc:sldLayoutMk cId="3024884783" sldId="2147483833"/>
+              <ac:spMk id="6" creationId="{00000000-0000-0000-0000-000000000000}"/>
+            </ac:spMkLst>
+          </pc:spChg>
+        </pc:sldLayoutChg>
+        <pc:sldLayoutChg chg="modSp">
+          <pc:chgData name="Iturra, Julio" userId="1e32fb54-b3a6-4f6a-9acb-bd9611b4f02e" providerId="ADAL" clId="{FF64CFB8-A129-49D9-A82C-5586398284F9}" dt="2024-09-25T13:23:27.674" v="0"/>
+          <pc:sldLayoutMkLst>
+            <pc:docMk/>
+            <pc:sldMasterMk cId="1297426670" sldId="2147483828"/>
+            <pc:sldLayoutMk cId="1870949276" sldId="2147483836"/>
+          </pc:sldLayoutMkLst>
+          <pc:spChg chg="mod">
+            <ac:chgData name="Iturra, Julio" userId="1e32fb54-b3a6-4f6a-9acb-bd9611b4f02e" providerId="ADAL" clId="{FF64CFB8-A129-49D9-A82C-5586398284F9}" dt="2024-09-25T13:23:27.674" v="0"/>
+            <ac:spMkLst>
+              <pc:docMk/>
+              <pc:sldMasterMk cId="1297426670" sldId="2147483828"/>
+              <pc:sldLayoutMk cId="1870949276" sldId="2147483836"/>
+              <ac:spMk id="2" creationId="{00000000-0000-0000-0000-000000000000}"/>
+            </ac:spMkLst>
+          </pc:spChg>
+          <pc:spChg chg="mod">
+            <ac:chgData name="Iturra, Julio" userId="1e32fb54-b3a6-4f6a-9acb-bd9611b4f02e" providerId="ADAL" clId="{FF64CFB8-A129-49D9-A82C-5586398284F9}" dt="2024-09-25T13:23:27.674" v="0"/>
+            <ac:spMkLst>
+              <pc:docMk/>
+              <pc:sldMasterMk cId="1297426670" sldId="2147483828"/>
+              <pc:sldLayoutMk cId="1870949276" sldId="2147483836"/>
+              <ac:spMk id="3" creationId="{00000000-0000-0000-0000-000000000000}"/>
+            </ac:spMkLst>
+          </pc:spChg>
+          <pc:spChg chg="mod">
+            <ac:chgData name="Iturra, Julio" userId="1e32fb54-b3a6-4f6a-9acb-bd9611b4f02e" providerId="ADAL" clId="{FF64CFB8-A129-49D9-A82C-5586398284F9}" dt="2024-09-25T13:23:27.674" v="0"/>
+            <ac:spMkLst>
+              <pc:docMk/>
+              <pc:sldMasterMk cId="1297426670" sldId="2147483828"/>
+              <pc:sldLayoutMk cId="1870949276" sldId="2147483836"/>
+              <ac:spMk id="4" creationId="{00000000-0000-0000-0000-000000000000}"/>
+            </ac:spMkLst>
+          </pc:spChg>
+        </pc:sldLayoutChg>
+        <pc:sldLayoutChg chg="modSp">
+          <pc:chgData name="Iturra, Julio" userId="1e32fb54-b3a6-4f6a-9acb-bd9611b4f02e" providerId="ADAL" clId="{FF64CFB8-A129-49D9-A82C-5586398284F9}" dt="2024-09-25T13:23:27.674" v="0"/>
+          <pc:sldLayoutMkLst>
+            <pc:docMk/>
+            <pc:sldMasterMk cId="1297426670" sldId="2147483828"/>
+            <pc:sldLayoutMk cId="473074104" sldId="2147483837"/>
+          </pc:sldLayoutMkLst>
+          <pc:spChg chg="mod">
+            <ac:chgData name="Iturra, Julio" userId="1e32fb54-b3a6-4f6a-9acb-bd9611b4f02e" providerId="ADAL" clId="{FF64CFB8-A129-49D9-A82C-5586398284F9}" dt="2024-09-25T13:23:27.674" v="0"/>
+            <ac:spMkLst>
+              <pc:docMk/>
+              <pc:sldMasterMk cId="1297426670" sldId="2147483828"/>
+              <pc:sldLayoutMk cId="473074104" sldId="2147483837"/>
+              <ac:spMk id="2" creationId="{00000000-0000-0000-0000-000000000000}"/>
+            </ac:spMkLst>
+          </pc:spChg>
+          <pc:spChg chg="mod">
+            <ac:chgData name="Iturra, Julio" userId="1e32fb54-b3a6-4f6a-9acb-bd9611b4f02e" providerId="ADAL" clId="{FF64CFB8-A129-49D9-A82C-5586398284F9}" dt="2024-09-25T13:23:27.674" v="0"/>
+            <ac:spMkLst>
+              <pc:docMk/>
+              <pc:sldMasterMk cId="1297426670" sldId="2147483828"/>
+              <pc:sldLayoutMk cId="473074104" sldId="2147483837"/>
+              <ac:spMk id="3" creationId="{00000000-0000-0000-0000-000000000000}"/>
+            </ac:spMkLst>
+          </pc:spChg>
+          <pc:spChg chg="mod">
+            <ac:chgData name="Iturra, Julio" userId="1e32fb54-b3a6-4f6a-9acb-bd9611b4f02e" providerId="ADAL" clId="{FF64CFB8-A129-49D9-A82C-5586398284F9}" dt="2024-09-25T13:23:27.674" v="0"/>
+            <ac:spMkLst>
+              <pc:docMk/>
+              <pc:sldMasterMk cId="1297426670" sldId="2147483828"/>
+              <pc:sldLayoutMk cId="473074104" sldId="2147483837"/>
+              <ac:spMk id="4" creationId="{00000000-0000-0000-0000-000000000000}"/>
+            </ac:spMkLst>
+          </pc:spChg>
+        </pc:sldLayoutChg>
+        <pc:sldLayoutChg chg="modSp">
+          <pc:chgData name="Iturra, Julio" userId="1e32fb54-b3a6-4f6a-9acb-bd9611b4f02e" providerId="ADAL" clId="{FF64CFB8-A129-49D9-A82C-5586398284F9}" dt="2024-09-25T13:23:27.674" v="0"/>
+          <pc:sldLayoutMkLst>
+            <pc:docMk/>
+            <pc:sldMasterMk cId="1297426670" sldId="2147483828"/>
+            <pc:sldLayoutMk cId="3965456606" sldId="2147483839"/>
+          </pc:sldLayoutMkLst>
+          <pc:spChg chg="mod">
+            <ac:chgData name="Iturra, Julio" userId="1e32fb54-b3a6-4f6a-9acb-bd9611b4f02e" providerId="ADAL" clId="{FF64CFB8-A129-49D9-A82C-5586398284F9}" dt="2024-09-25T13:23:27.674" v="0"/>
+            <ac:spMkLst>
+              <pc:docMk/>
+              <pc:sldMasterMk cId="1297426670" sldId="2147483828"/>
+              <pc:sldLayoutMk cId="3965456606" sldId="2147483839"/>
+              <ac:spMk id="2" creationId="{00000000-0000-0000-0000-000000000000}"/>
+            </ac:spMkLst>
+          </pc:spChg>
+          <pc:spChg chg="mod">
+            <ac:chgData name="Iturra, Julio" userId="1e32fb54-b3a6-4f6a-9acb-bd9611b4f02e" providerId="ADAL" clId="{FF64CFB8-A129-49D9-A82C-5586398284F9}" dt="2024-09-25T13:23:27.674" v="0"/>
+            <ac:spMkLst>
+              <pc:docMk/>
+              <pc:sldMasterMk cId="1297426670" sldId="2147483828"/>
+              <pc:sldLayoutMk cId="3965456606" sldId="2147483839"/>
+              <ac:spMk id="3" creationId="{00000000-0000-0000-0000-000000000000}"/>
+            </ac:spMkLst>
+          </pc:spChg>
+        </pc:sldLayoutChg>
+      </pc:sldMasterChg>
+    </pc:docChg>
+  </pc:docChgLst>
+</pc:chgInfo>
 </file>
 
 <file path=ppt/notesMasters/notesMaster1.xml><?xml version="1.0" encoding="utf-8"?>
@@ -206,7 +596,7 @@
           <a:p>
             <a:fld id="{98DB4DC7-1920-4675-8E83-442C7712BA7E}" type="datetimeFigureOut">
               <a:rPr lang="en-GB" smtClean="0"/>
-              <a:t>22/05/2024</a:t>
+              <a:t>25/09/2024</a:t>
             </a:fld>
             <a:endParaRPr lang="en-GB"/>
           </a:p>
@@ -224,8 +614,8 @@
         </p:nvSpPr>
         <p:spPr>
           <a:xfrm>
-            <a:off x="1371600" y="1143000"/>
-            <a:ext cx="4114800" cy="3086100"/>
+            <a:off x="898525" y="1143000"/>
+            <a:ext cx="5060950" cy="3086100"/>
           </a:xfrm>
           <a:prstGeom prst="rect">
             <a:avLst/>
@@ -503,8 +893,8 @@
         </p:nvSpPr>
         <p:spPr>
           <a:xfrm>
-            <a:off x="1371600" y="1143000"/>
-            <a:ext cx="4114800" cy="3086100"/>
+            <a:off x="898525" y="1143000"/>
+            <a:ext cx="5060950" cy="3086100"/>
           </a:xfrm>
         </p:spPr>
       </p:sp>
@@ -592,15 +982,15 @@
         </p:nvSpPr>
         <p:spPr>
           <a:xfrm>
-            <a:off x="360045" y="589241"/>
-            <a:ext cx="4080510" cy="1253490"/>
+            <a:off x="600075" y="478823"/>
+            <a:ext cx="3600450" cy="1018599"/>
           </a:xfrm>
         </p:spPr>
         <p:txBody>
           <a:bodyPr anchor="b"/>
           <a:lstStyle>
             <a:lvl1pPr algn="ctr">
-              <a:defRPr sz="3150"/>
+              <a:defRPr sz="2363"/>
             </a:lvl1pPr>
           </a:lstStyle>
           <a:p>
@@ -624,8 +1014,8 @@
         </p:nvSpPr>
         <p:spPr>
           <a:xfrm>
-            <a:off x="600075" y="1891070"/>
-            <a:ext cx="3600450" cy="869275"/>
+            <a:off x="600075" y="1536703"/>
+            <a:ext cx="3600450" cy="706382"/>
           </a:xfrm>
         </p:spPr>
         <p:txBody>
@@ -633,39 +1023,39 @@
           <a:lstStyle>
             <a:lvl1pPr marL="0" indent="0" algn="ctr">
               <a:buNone/>
-              <a:defRPr sz="1260"/>
+              <a:defRPr sz="945"/>
             </a:lvl1pPr>
-            <a:lvl2pPr marL="240030" indent="0" algn="ctr">
-              <a:buNone/>
-              <a:defRPr sz="1050"/>
+            <a:lvl2pPr marL="180045" indent="0" algn="ctr">
+              <a:buNone/>
+              <a:defRPr sz="788"/>
             </a:lvl2pPr>
-            <a:lvl3pPr marL="480060" indent="0" algn="ctr">
-              <a:buNone/>
-              <a:defRPr sz="945"/>
+            <a:lvl3pPr marL="360091" indent="0" algn="ctr">
+              <a:buNone/>
+              <a:defRPr sz="709"/>
             </a:lvl3pPr>
-            <a:lvl4pPr marL="720090" indent="0" algn="ctr">
-              <a:buNone/>
-              <a:defRPr sz="840"/>
+            <a:lvl4pPr marL="540136" indent="0" algn="ctr">
+              <a:buNone/>
+              <a:defRPr sz="630"/>
             </a:lvl4pPr>
-            <a:lvl5pPr marL="960120" indent="0" algn="ctr">
-              <a:buNone/>
-              <a:defRPr sz="840"/>
+            <a:lvl5pPr marL="720181" indent="0" algn="ctr">
+              <a:buNone/>
+              <a:defRPr sz="630"/>
             </a:lvl5pPr>
-            <a:lvl6pPr marL="1200150" indent="0" algn="ctr">
-              <a:buNone/>
-              <a:defRPr sz="840"/>
+            <a:lvl6pPr marL="900227" indent="0" algn="ctr">
+              <a:buNone/>
+              <a:defRPr sz="630"/>
             </a:lvl6pPr>
-            <a:lvl7pPr marL="1440180" indent="0" algn="ctr">
-              <a:buNone/>
-              <a:defRPr sz="840"/>
+            <a:lvl7pPr marL="1080272" indent="0" algn="ctr">
+              <a:buNone/>
+              <a:defRPr sz="630"/>
             </a:lvl7pPr>
-            <a:lvl8pPr marL="1680210" indent="0" algn="ctr">
-              <a:buNone/>
-              <a:defRPr sz="840"/>
+            <a:lvl8pPr marL="1260318" indent="0" algn="ctr">
+              <a:buNone/>
+              <a:defRPr sz="630"/>
             </a:lvl8pPr>
-            <a:lvl9pPr marL="1920240" indent="0" algn="ctr">
-              <a:buNone/>
-              <a:defRPr sz="840"/>
+            <a:lvl9pPr marL="1440363" indent="0" algn="ctr">
+              <a:buNone/>
+              <a:defRPr sz="630"/>
             </a:lvl9pPr>
           </a:lstStyle>
           <a:p>
@@ -694,7 +1084,7 @@
           <a:p>
             <a:fld id="{7C809603-0A2B-4FAA-8CCA-C215CBD5387F}" type="datetimeFigureOut">
               <a:rPr lang="en-US" smtClean="0"/>
-              <a:t>5/22/2024</a:t>
+              <a:t>9/25/2024</a:t>
             </a:fld>
             <a:endParaRPr lang="en-US"/>
           </a:p>
@@ -745,7 +1135,7 @@
     </p:spTree>
     <p:extLst>
       <p:ext uri="{BB962C8B-B14F-4D97-AF65-F5344CB8AC3E}">
-        <p14:creationId xmlns:p14="http://schemas.microsoft.com/office/powerpoint/2010/main" val="2871183273"/>
+        <p14:creationId xmlns:p14="http://schemas.microsoft.com/office/powerpoint/2010/main" val="3995553514"/>
       </p:ext>
     </p:extLst>
   </p:cSld>
@@ -864,7 +1254,7 @@
           <a:p>
             <a:fld id="{7C809603-0A2B-4FAA-8CCA-C215CBD5387F}" type="datetimeFigureOut">
               <a:rPr lang="en-US" smtClean="0"/>
-              <a:t>5/22/2024</a:t>
+              <a:t>9/25/2024</a:t>
             </a:fld>
             <a:endParaRPr lang="en-US"/>
           </a:p>
@@ -915,7 +1305,7 @@
     </p:spTree>
     <p:extLst>
       <p:ext uri="{BB962C8B-B14F-4D97-AF65-F5344CB8AC3E}">
-        <p14:creationId xmlns:p14="http://schemas.microsoft.com/office/powerpoint/2010/main" val="1107814670"/>
+        <p14:creationId xmlns:p14="http://schemas.microsoft.com/office/powerpoint/2010/main" val="1580291958"/>
       </p:ext>
     </p:extLst>
   </p:cSld>
@@ -954,8 +1344,8 @@
         </p:nvSpPr>
         <p:spPr>
           <a:xfrm>
-            <a:off x="3435430" y="191691"/>
-            <a:ext cx="1035129" cy="3051215"/>
+            <a:off x="3435430" y="155770"/>
+            <a:ext cx="1035129" cy="2479449"/>
           </a:xfrm>
         </p:spPr>
         <p:txBody>
@@ -982,8 +1372,8 @@
         </p:nvSpPr>
         <p:spPr>
           <a:xfrm>
-            <a:off x="330041" y="191691"/>
-            <a:ext cx="3045381" cy="3051215"/>
+            <a:off x="330041" y="155770"/>
+            <a:ext cx="3045381" cy="2479449"/>
           </a:xfrm>
         </p:spPr>
         <p:txBody>
@@ -1044,7 +1434,7 @@
           <a:p>
             <a:fld id="{7C809603-0A2B-4FAA-8CCA-C215CBD5387F}" type="datetimeFigureOut">
               <a:rPr lang="en-US" smtClean="0"/>
-              <a:t>5/22/2024</a:t>
+              <a:t>9/25/2024</a:t>
             </a:fld>
             <a:endParaRPr lang="en-US"/>
           </a:p>
@@ -1095,7 +1485,7 @@
     </p:spTree>
     <p:extLst>
       <p:ext uri="{BB962C8B-B14F-4D97-AF65-F5344CB8AC3E}">
-        <p14:creationId xmlns:p14="http://schemas.microsoft.com/office/powerpoint/2010/main" val="3965456606"/>
+        <p14:creationId xmlns:p14="http://schemas.microsoft.com/office/powerpoint/2010/main" val="936186096"/>
       </p:ext>
     </p:extLst>
   </p:cSld>
@@ -1214,7 +1604,7 @@
           <a:p>
             <a:fld id="{7C809603-0A2B-4FAA-8CCA-C215CBD5387F}" type="datetimeFigureOut">
               <a:rPr lang="en-US" smtClean="0"/>
-              <a:t>5/22/2024</a:t>
+              <a:t>9/25/2024</a:t>
             </a:fld>
             <a:endParaRPr lang="en-US"/>
           </a:p>
@@ -1265,7 +1655,7 @@
     </p:spTree>
     <p:extLst>
       <p:ext uri="{BB962C8B-B14F-4D97-AF65-F5344CB8AC3E}">
-        <p14:creationId xmlns:p14="http://schemas.microsoft.com/office/powerpoint/2010/main" val="1613229422"/>
+        <p14:creationId xmlns:p14="http://schemas.microsoft.com/office/powerpoint/2010/main" val="3493437200"/>
       </p:ext>
     </p:extLst>
   </p:cSld>
@@ -1304,15 +1694,15 @@
         </p:nvSpPr>
         <p:spPr>
           <a:xfrm>
-            <a:off x="327541" y="897613"/>
-            <a:ext cx="4140518" cy="1497687"/>
+            <a:off x="327541" y="729409"/>
+            <a:ext cx="4140518" cy="1217036"/>
           </a:xfrm>
         </p:spPr>
         <p:txBody>
           <a:bodyPr anchor="b"/>
           <a:lstStyle>
             <a:lvl1pPr>
-              <a:defRPr sz="3150"/>
+              <a:defRPr sz="2363"/>
             </a:lvl1pPr>
           </a:lstStyle>
           <a:p>
@@ -1336,8 +1726,8 @@
         </p:nvSpPr>
         <p:spPr>
           <a:xfrm>
-            <a:off x="327541" y="2409469"/>
-            <a:ext cx="4140518" cy="787598"/>
+            <a:off x="327541" y="1957959"/>
+            <a:ext cx="4140518" cy="640010"/>
           </a:xfrm>
         </p:spPr>
         <p:txBody>
@@ -1345,15 +1735,17 @@
           <a:lstStyle>
             <a:lvl1pPr marL="0" indent="0">
               <a:buNone/>
-              <a:defRPr sz="1260">
+              <a:defRPr sz="945">
                 <a:solidFill>
-                  <a:schemeClr val="tx1"/>
+                  <a:schemeClr val="tx1">
+                    <a:tint val="75000"/>
+                  </a:schemeClr>
                 </a:solidFill>
               </a:defRPr>
             </a:lvl1pPr>
-            <a:lvl2pPr marL="240030" indent="0">
-              <a:buNone/>
-              <a:defRPr sz="1050">
+            <a:lvl2pPr marL="180045" indent="0">
+              <a:buNone/>
+              <a:defRPr sz="788">
                 <a:solidFill>
                   <a:schemeClr val="tx1">
                     <a:tint val="75000"/>
@@ -1361,9 +1753,9 @@
                 </a:solidFill>
               </a:defRPr>
             </a:lvl2pPr>
-            <a:lvl3pPr marL="480060" indent="0">
-              <a:buNone/>
-              <a:defRPr sz="945">
+            <a:lvl3pPr marL="360091" indent="0">
+              <a:buNone/>
+              <a:defRPr sz="709">
                 <a:solidFill>
                   <a:schemeClr val="tx1">
                     <a:tint val="75000"/>
@@ -1371,9 +1763,9 @@
                 </a:solidFill>
               </a:defRPr>
             </a:lvl3pPr>
-            <a:lvl4pPr marL="720090" indent="0">
-              <a:buNone/>
-              <a:defRPr sz="840">
+            <a:lvl4pPr marL="540136" indent="0">
+              <a:buNone/>
+              <a:defRPr sz="630">
                 <a:solidFill>
                   <a:schemeClr val="tx1">
                     <a:tint val="75000"/>
@@ -1381,9 +1773,9 @@
                 </a:solidFill>
               </a:defRPr>
             </a:lvl4pPr>
-            <a:lvl5pPr marL="960120" indent="0">
-              <a:buNone/>
-              <a:defRPr sz="840">
+            <a:lvl5pPr marL="720181" indent="0">
+              <a:buNone/>
+              <a:defRPr sz="630">
                 <a:solidFill>
                   <a:schemeClr val="tx1">
                     <a:tint val="75000"/>
@@ -1391,9 +1783,9 @@
                 </a:solidFill>
               </a:defRPr>
             </a:lvl5pPr>
-            <a:lvl6pPr marL="1200150" indent="0">
-              <a:buNone/>
-              <a:defRPr sz="840">
+            <a:lvl6pPr marL="900227" indent="0">
+              <a:buNone/>
+              <a:defRPr sz="630">
                 <a:solidFill>
                   <a:schemeClr val="tx1">
                     <a:tint val="75000"/>
@@ -1401,9 +1793,9 @@
                 </a:solidFill>
               </a:defRPr>
             </a:lvl6pPr>
-            <a:lvl7pPr marL="1440180" indent="0">
-              <a:buNone/>
-              <a:defRPr sz="840">
+            <a:lvl7pPr marL="1080272" indent="0">
+              <a:buNone/>
+              <a:defRPr sz="630">
                 <a:solidFill>
                   <a:schemeClr val="tx1">
                     <a:tint val="75000"/>
@@ -1411,9 +1803,9 @@
                 </a:solidFill>
               </a:defRPr>
             </a:lvl7pPr>
-            <a:lvl8pPr marL="1680210" indent="0">
-              <a:buNone/>
-              <a:defRPr sz="840">
+            <a:lvl8pPr marL="1260318" indent="0">
+              <a:buNone/>
+              <a:defRPr sz="630">
                 <a:solidFill>
                   <a:schemeClr val="tx1">
                     <a:tint val="75000"/>
@@ -1421,9 +1813,9 @@
                 </a:solidFill>
               </a:defRPr>
             </a:lvl8pPr>
-            <a:lvl9pPr marL="1920240" indent="0">
-              <a:buNone/>
-              <a:defRPr sz="840">
+            <a:lvl9pPr marL="1440363" indent="0">
+              <a:buNone/>
+              <a:defRPr sz="630">
                 <a:solidFill>
                   <a:schemeClr val="tx1">
                     <a:tint val="75000"/>
@@ -1458,7 +1850,7 @@
           <a:p>
             <a:fld id="{7C809603-0A2B-4FAA-8CCA-C215CBD5387F}" type="datetimeFigureOut">
               <a:rPr lang="en-US" smtClean="0"/>
-              <a:t>5/22/2024</a:t>
+              <a:t>9/25/2024</a:t>
             </a:fld>
             <a:endParaRPr lang="en-US"/>
           </a:p>
@@ -1509,7 +1901,7 @@
     </p:spTree>
     <p:extLst>
       <p:ext uri="{BB962C8B-B14F-4D97-AF65-F5344CB8AC3E}">
-        <p14:creationId xmlns:p14="http://schemas.microsoft.com/office/powerpoint/2010/main" val="1736440576"/>
+        <p14:creationId xmlns:p14="http://schemas.microsoft.com/office/powerpoint/2010/main" val="1561166122"/>
       </p:ext>
     </p:extLst>
   </p:cSld>
@@ -1571,8 +1963,8 @@
         </p:nvSpPr>
         <p:spPr>
           <a:xfrm>
-            <a:off x="330041" y="958453"/>
-            <a:ext cx="2040255" cy="2284452"/>
+            <a:off x="330041" y="778849"/>
+            <a:ext cx="2040255" cy="1856370"/>
           </a:xfrm>
         </p:spPr>
         <p:txBody>
@@ -1628,8 +2020,8 @@
         </p:nvSpPr>
         <p:spPr>
           <a:xfrm>
-            <a:off x="2430304" y="958453"/>
-            <a:ext cx="2040255" cy="2284452"/>
+            <a:off x="2430304" y="778849"/>
+            <a:ext cx="2040255" cy="1856370"/>
           </a:xfrm>
         </p:spPr>
         <p:txBody>
@@ -1690,7 +2082,7 @@
           <a:p>
             <a:fld id="{7C809603-0A2B-4FAA-8CCA-C215CBD5387F}" type="datetimeFigureOut">
               <a:rPr lang="en-US" smtClean="0"/>
-              <a:t>5/22/2024</a:t>
+              <a:t>9/25/2024</a:t>
             </a:fld>
             <a:endParaRPr lang="en-US"/>
           </a:p>
@@ -1741,7 +2133,7 @@
     </p:spTree>
     <p:extLst>
       <p:ext uri="{BB962C8B-B14F-4D97-AF65-F5344CB8AC3E}">
-        <p14:creationId xmlns:p14="http://schemas.microsoft.com/office/powerpoint/2010/main" val="2100372203"/>
+        <p14:creationId xmlns:p14="http://schemas.microsoft.com/office/powerpoint/2010/main" val="3982176903"/>
       </p:ext>
     </p:extLst>
   </p:cSld>
@@ -1780,8 +2172,8 @@
         </p:nvSpPr>
         <p:spPr>
           <a:xfrm>
-            <a:off x="330666" y="191691"/>
-            <a:ext cx="4140518" cy="695921"/>
+            <a:off x="330666" y="155770"/>
+            <a:ext cx="4140518" cy="565512"/>
           </a:xfrm>
         </p:spPr>
         <p:txBody>
@@ -1808,8 +2200,8 @@
         </p:nvSpPr>
         <p:spPr>
           <a:xfrm>
-            <a:off x="330667" y="882610"/>
-            <a:ext cx="2030879" cy="432554"/>
+            <a:off x="330667" y="717218"/>
+            <a:ext cx="2030879" cy="351498"/>
           </a:xfrm>
         </p:spPr>
         <p:txBody>
@@ -1817,39 +2209,39 @@
           <a:lstStyle>
             <a:lvl1pPr marL="0" indent="0">
               <a:buNone/>
-              <a:defRPr sz="1260" b="1"/>
+              <a:defRPr sz="945" b="1"/>
             </a:lvl1pPr>
-            <a:lvl2pPr marL="240030" indent="0">
-              <a:buNone/>
-              <a:defRPr sz="1050" b="1"/>
+            <a:lvl2pPr marL="180045" indent="0">
+              <a:buNone/>
+              <a:defRPr sz="788" b="1"/>
             </a:lvl2pPr>
-            <a:lvl3pPr marL="480060" indent="0">
-              <a:buNone/>
-              <a:defRPr sz="945" b="1"/>
+            <a:lvl3pPr marL="360091" indent="0">
+              <a:buNone/>
+              <a:defRPr sz="709" b="1"/>
             </a:lvl3pPr>
-            <a:lvl4pPr marL="720090" indent="0">
-              <a:buNone/>
-              <a:defRPr sz="840" b="1"/>
+            <a:lvl4pPr marL="540136" indent="0">
+              <a:buNone/>
+              <a:defRPr sz="630" b="1"/>
             </a:lvl4pPr>
-            <a:lvl5pPr marL="960120" indent="0">
-              <a:buNone/>
-              <a:defRPr sz="840" b="1"/>
+            <a:lvl5pPr marL="720181" indent="0">
+              <a:buNone/>
+              <a:defRPr sz="630" b="1"/>
             </a:lvl5pPr>
-            <a:lvl6pPr marL="1200150" indent="0">
-              <a:buNone/>
-              <a:defRPr sz="840" b="1"/>
+            <a:lvl6pPr marL="900227" indent="0">
+              <a:buNone/>
+              <a:defRPr sz="630" b="1"/>
             </a:lvl6pPr>
-            <a:lvl7pPr marL="1440180" indent="0">
-              <a:buNone/>
-              <a:defRPr sz="840" b="1"/>
+            <a:lvl7pPr marL="1080272" indent="0">
+              <a:buNone/>
+              <a:defRPr sz="630" b="1"/>
             </a:lvl7pPr>
-            <a:lvl8pPr marL="1680210" indent="0">
-              <a:buNone/>
-              <a:defRPr sz="840" b="1"/>
+            <a:lvl8pPr marL="1260318" indent="0">
+              <a:buNone/>
+              <a:defRPr sz="630" b="1"/>
             </a:lvl8pPr>
-            <a:lvl9pPr marL="1920240" indent="0">
-              <a:buNone/>
-              <a:defRPr sz="840" b="1"/>
+            <a:lvl9pPr marL="1440363" indent="0">
+              <a:buNone/>
+              <a:defRPr sz="630" b="1"/>
             </a:lvl9pPr>
           </a:lstStyle>
           <a:p>
@@ -1873,8 +2265,8 @@
         </p:nvSpPr>
         <p:spPr>
           <a:xfrm>
-            <a:off x="330667" y="1315164"/>
-            <a:ext cx="2030879" cy="1934409"/>
+            <a:off x="330667" y="1068716"/>
+            <a:ext cx="2030879" cy="1571921"/>
           </a:xfrm>
         </p:spPr>
         <p:txBody>
@@ -1930,8 +2322,8 @@
         </p:nvSpPr>
         <p:spPr>
           <a:xfrm>
-            <a:off x="2430304" y="882610"/>
-            <a:ext cx="2040880" cy="432554"/>
+            <a:off x="2430304" y="717218"/>
+            <a:ext cx="2040880" cy="351498"/>
           </a:xfrm>
         </p:spPr>
         <p:txBody>
@@ -1939,39 +2331,39 @@
           <a:lstStyle>
             <a:lvl1pPr marL="0" indent="0">
               <a:buNone/>
-              <a:defRPr sz="1260" b="1"/>
+              <a:defRPr sz="945" b="1"/>
             </a:lvl1pPr>
-            <a:lvl2pPr marL="240030" indent="0">
-              <a:buNone/>
-              <a:defRPr sz="1050" b="1"/>
+            <a:lvl2pPr marL="180045" indent="0">
+              <a:buNone/>
+              <a:defRPr sz="788" b="1"/>
             </a:lvl2pPr>
-            <a:lvl3pPr marL="480060" indent="0">
-              <a:buNone/>
-              <a:defRPr sz="945" b="1"/>
+            <a:lvl3pPr marL="360091" indent="0">
+              <a:buNone/>
+              <a:defRPr sz="709" b="1"/>
             </a:lvl3pPr>
-            <a:lvl4pPr marL="720090" indent="0">
-              <a:buNone/>
-              <a:defRPr sz="840" b="1"/>
+            <a:lvl4pPr marL="540136" indent="0">
+              <a:buNone/>
+              <a:defRPr sz="630" b="1"/>
             </a:lvl4pPr>
-            <a:lvl5pPr marL="960120" indent="0">
-              <a:buNone/>
-              <a:defRPr sz="840" b="1"/>
+            <a:lvl5pPr marL="720181" indent="0">
+              <a:buNone/>
+              <a:defRPr sz="630" b="1"/>
             </a:lvl5pPr>
-            <a:lvl6pPr marL="1200150" indent="0">
-              <a:buNone/>
-              <a:defRPr sz="840" b="1"/>
+            <a:lvl6pPr marL="900227" indent="0">
+              <a:buNone/>
+              <a:defRPr sz="630" b="1"/>
             </a:lvl6pPr>
-            <a:lvl7pPr marL="1440180" indent="0">
-              <a:buNone/>
-              <a:defRPr sz="840" b="1"/>
+            <a:lvl7pPr marL="1080272" indent="0">
+              <a:buNone/>
+              <a:defRPr sz="630" b="1"/>
             </a:lvl7pPr>
-            <a:lvl8pPr marL="1680210" indent="0">
-              <a:buNone/>
-              <a:defRPr sz="840" b="1"/>
+            <a:lvl8pPr marL="1260318" indent="0">
+              <a:buNone/>
+              <a:defRPr sz="630" b="1"/>
             </a:lvl8pPr>
-            <a:lvl9pPr marL="1920240" indent="0">
-              <a:buNone/>
-              <a:defRPr sz="840" b="1"/>
+            <a:lvl9pPr marL="1440363" indent="0">
+              <a:buNone/>
+              <a:defRPr sz="630" b="1"/>
             </a:lvl9pPr>
           </a:lstStyle>
           <a:p>
@@ -1995,8 +2387,8 @@
         </p:nvSpPr>
         <p:spPr>
           <a:xfrm>
-            <a:off x="2430304" y="1315164"/>
-            <a:ext cx="2040880" cy="1934409"/>
+            <a:off x="2430304" y="1068716"/>
+            <a:ext cx="2040880" cy="1571921"/>
           </a:xfrm>
         </p:spPr>
         <p:txBody>
@@ -2057,7 +2449,7 @@
           <a:p>
             <a:fld id="{7C809603-0A2B-4FAA-8CCA-C215CBD5387F}" type="datetimeFigureOut">
               <a:rPr lang="en-US" smtClean="0"/>
-              <a:t>5/22/2024</a:t>
+              <a:t>9/25/2024</a:t>
             </a:fld>
             <a:endParaRPr lang="en-US"/>
           </a:p>
@@ -2108,7 +2500,7 @@
     </p:spTree>
     <p:extLst>
       <p:ext uri="{BB962C8B-B14F-4D97-AF65-F5344CB8AC3E}">
-        <p14:creationId xmlns:p14="http://schemas.microsoft.com/office/powerpoint/2010/main" val="3024884783"/>
+        <p14:creationId xmlns:p14="http://schemas.microsoft.com/office/powerpoint/2010/main" val="1446377723"/>
       </p:ext>
     </p:extLst>
   </p:cSld>
@@ -2175,7 +2567,7 @@
           <a:p>
             <a:fld id="{7C809603-0A2B-4FAA-8CCA-C215CBD5387F}" type="datetimeFigureOut">
               <a:rPr lang="en-US" smtClean="0"/>
-              <a:t>5/22/2024</a:t>
+              <a:t>9/25/2024</a:t>
             </a:fld>
             <a:endParaRPr lang="en-US"/>
           </a:p>
@@ -2226,7 +2618,7 @@
     </p:spTree>
     <p:extLst>
       <p:ext uri="{BB962C8B-B14F-4D97-AF65-F5344CB8AC3E}">
-        <p14:creationId xmlns:p14="http://schemas.microsoft.com/office/powerpoint/2010/main" val="4199559640"/>
+        <p14:creationId xmlns:p14="http://schemas.microsoft.com/office/powerpoint/2010/main" val="826231784"/>
       </p:ext>
     </p:extLst>
   </p:cSld>
@@ -2270,7 +2662,7 @@
           <a:p>
             <a:fld id="{7C809603-0A2B-4FAA-8CCA-C215CBD5387F}" type="datetimeFigureOut">
               <a:rPr lang="en-US" smtClean="0"/>
-              <a:t>5/22/2024</a:t>
+              <a:t>9/25/2024</a:t>
             </a:fld>
             <a:endParaRPr lang="en-US"/>
           </a:p>
@@ -2321,7 +2713,7 @@
     </p:spTree>
     <p:extLst>
       <p:ext uri="{BB962C8B-B14F-4D97-AF65-F5344CB8AC3E}">
-        <p14:creationId xmlns:p14="http://schemas.microsoft.com/office/powerpoint/2010/main" val="3304743127"/>
+        <p14:creationId xmlns:p14="http://schemas.microsoft.com/office/powerpoint/2010/main" val="593977735"/>
       </p:ext>
     </p:extLst>
   </p:cSld>
@@ -2360,15 +2752,15 @@
         </p:nvSpPr>
         <p:spPr>
           <a:xfrm>
-            <a:off x="330667" y="240030"/>
-            <a:ext cx="1548318" cy="840105"/>
+            <a:off x="330667" y="195051"/>
+            <a:ext cx="1548318" cy="682678"/>
           </a:xfrm>
         </p:spPr>
         <p:txBody>
           <a:bodyPr anchor="b"/>
           <a:lstStyle>
             <a:lvl1pPr>
-              <a:defRPr sz="1680"/>
+              <a:defRPr sz="1260"/>
             </a:lvl1pPr>
           </a:lstStyle>
           <a:p>
@@ -2392,39 +2784,39 @@
         </p:nvSpPr>
         <p:spPr>
           <a:xfrm>
-            <a:off x="2040880" y="518399"/>
-            <a:ext cx="2430304" cy="2558653"/>
+            <a:off x="2040880" y="421256"/>
+            <a:ext cx="2430304" cy="2079188"/>
           </a:xfrm>
         </p:spPr>
         <p:txBody>
           <a:bodyPr/>
           <a:lstStyle>
             <a:lvl1pPr>
-              <a:defRPr sz="1680"/>
+              <a:defRPr sz="1260"/>
             </a:lvl1pPr>
             <a:lvl2pPr>
-              <a:defRPr sz="1470"/>
+              <a:defRPr sz="1103"/>
             </a:lvl2pPr>
             <a:lvl3pPr>
-              <a:defRPr sz="1260"/>
+              <a:defRPr sz="945"/>
             </a:lvl3pPr>
             <a:lvl4pPr>
-              <a:defRPr sz="1050"/>
+              <a:defRPr sz="788"/>
             </a:lvl4pPr>
             <a:lvl5pPr>
-              <a:defRPr sz="1050"/>
+              <a:defRPr sz="788"/>
             </a:lvl5pPr>
             <a:lvl6pPr>
-              <a:defRPr sz="1050"/>
+              <a:defRPr sz="788"/>
             </a:lvl6pPr>
             <a:lvl7pPr>
-              <a:defRPr sz="1050"/>
+              <a:defRPr sz="788"/>
             </a:lvl7pPr>
             <a:lvl8pPr>
-              <a:defRPr sz="1050"/>
+              <a:defRPr sz="788"/>
             </a:lvl8pPr>
             <a:lvl9pPr>
-              <a:defRPr sz="1050"/>
+              <a:defRPr sz="788"/>
             </a:lvl9pPr>
           </a:lstStyle>
           <a:p>
@@ -2477,8 +2869,8 @@
         </p:nvSpPr>
         <p:spPr>
           <a:xfrm>
-            <a:off x="330667" y="1080135"/>
-            <a:ext cx="1548318" cy="2001084"/>
+            <a:off x="330667" y="877729"/>
+            <a:ext cx="1548318" cy="1626101"/>
           </a:xfrm>
         </p:spPr>
         <p:txBody>
@@ -2486,39 +2878,39 @@
           <a:lstStyle>
             <a:lvl1pPr marL="0" indent="0">
               <a:buNone/>
-              <a:defRPr sz="840"/>
+              <a:defRPr sz="630"/>
             </a:lvl1pPr>
-            <a:lvl2pPr marL="240030" indent="0">
-              <a:buNone/>
-              <a:defRPr sz="735"/>
+            <a:lvl2pPr marL="180045" indent="0">
+              <a:buNone/>
+              <a:defRPr sz="551"/>
             </a:lvl2pPr>
-            <a:lvl3pPr marL="480060" indent="0">
-              <a:buNone/>
-              <a:defRPr sz="630"/>
+            <a:lvl3pPr marL="360091" indent="0">
+              <a:buNone/>
+              <a:defRPr sz="473"/>
             </a:lvl3pPr>
-            <a:lvl4pPr marL="720090" indent="0">
-              <a:buNone/>
-              <a:defRPr sz="525"/>
+            <a:lvl4pPr marL="540136" indent="0">
+              <a:buNone/>
+              <a:defRPr sz="394"/>
             </a:lvl4pPr>
-            <a:lvl5pPr marL="960120" indent="0">
-              <a:buNone/>
-              <a:defRPr sz="525"/>
+            <a:lvl5pPr marL="720181" indent="0">
+              <a:buNone/>
+              <a:defRPr sz="394"/>
             </a:lvl5pPr>
-            <a:lvl6pPr marL="1200150" indent="0">
-              <a:buNone/>
-              <a:defRPr sz="525"/>
+            <a:lvl6pPr marL="900227" indent="0">
+              <a:buNone/>
+              <a:defRPr sz="394"/>
             </a:lvl6pPr>
-            <a:lvl7pPr marL="1440180" indent="0">
-              <a:buNone/>
-              <a:defRPr sz="525"/>
+            <a:lvl7pPr marL="1080272" indent="0">
+              <a:buNone/>
+              <a:defRPr sz="394"/>
             </a:lvl7pPr>
-            <a:lvl8pPr marL="1680210" indent="0">
-              <a:buNone/>
-              <a:defRPr sz="525"/>
+            <a:lvl8pPr marL="1260318" indent="0">
+              <a:buNone/>
+              <a:defRPr sz="394"/>
             </a:lvl8pPr>
-            <a:lvl9pPr marL="1920240" indent="0">
-              <a:buNone/>
-              <a:defRPr sz="525"/>
+            <a:lvl9pPr marL="1440363" indent="0">
+              <a:buNone/>
+              <a:defRPr sz="394"/>
             </a:lvl9pPr>
           </a:lstStyle>
           <a:p>
@@ -2547,7 +2939,7 @@
           <a:p>
             <a:fld id="{7C809603-0A2B-4FAA-8CCA-C215CBD5387F}" type="datetimeFigureOut">
               <a:rPr lang="en-US" smtClean="0"/>
-              <a:t>5/22/2024</a:t>
+              <a:t>9/25/2024</a:t>
             </a:fld>
             <a:endParaRPr lang="en-US"/>
           </a:p>
@@ -2598,7 +2990,7 @@
     </p:spTree>
     <p:extLst>
       <p:ext uri="{BB962C8B-B14F-4D97-AF65-F5344CB8AC3E}">
-        <p14:creationId xmlns:p14="http://schemas.microsoft.com/office/powerpoint/2010/main" val="1870949276"/>
+        <p14:creationId xmlns:p14="http://schemas.microsoft.com/office/powerpoint/2010/main" val="809656602"/>
       </p:ext>
     </p:extLst>
   </p:cSld>
@@ -2637,15 +3029,15 @@
         </p:nvSpPr>
         <p:spPr>
           <a:xfrm>
-            <a:off x="330667" y="240030"/>
-            <a:ext cx="1548318" cy="840105"/>
+            <a:off x="330667" y="195051"/>
+            <a:ext cx="1548318" cy="682678"/>
           </a:xfrm>
         </p:spPr>
         <p:txBody>
           <a:bodyPr anchor="b"/>
           <a:lstStyle>
             <a:lvl1pPr>
-              <a:defRPr sz="1680"/>
+              <a:defRPr sz="1260"/>
             </a:lvl1pPr>
           </a:lstStyle>
           <a:p>
@@ -2669,8 +3061,8 @@
         </p:nvSpPr>
         <p:spPr>
           <a:xfrm>
-            <a:off x="2040880" y="518399"/>
-            <a:ext cx="2430304" cy="2558653"/>
+            <a:off x="2040880" y="421256"/>
+            <a:ext cx="2430304" cy="2079188"/>
           </a:xfrm>
         </p:spPr>
         <p:txBody>
@@ -2678,39 +3070,39 @@
           <a:lstStyle>
             <a:lvl1pPr marL="0" indent="0">
               <a:buNone/>
-              <a:defRPr sz="1680"/>
+              <a:defRPr sz="1260"/>
             </a:lvl1pPr>
-            <a:lvl2pPr marL="240030" indent="0">
-              <a:buNone/>
-              <a:defRPr sz="1470"/>
+            <a:lvl2pPr marL="180045" indent="0">
+              <a:buNone/>
+              <a:defRPr sz="1103"/>
             </a:lvl2pPr>
-            <a:lvl3pPr marL="480060" indent="0">
-              <a:buNone/>
-              <a:defRPr sz="1260"/>
+            <a:lvl3pPr marL="360091" indent="0">
+              <a:buNone/>
+              <a:defRPr sz="945"/>
             </a:lvl3pPr>
-            <a:lvl4pPr marL="720090" indent="0">
-              <a:buNone/>
-              <a:defRPr sz="1050"/>
+            <a:lvl4pPr marL="540136" indent="0">
+              <a:buNone/>
+              <a:defRPr sz="788"/>
             </a:lvl4pPr>
-            <a:lvl5pPr marL="960120" indent="0">
-              <a:buNone/>
-              <a:defRPr sz="1050"/>
+            <a:lvl5pPr marL="720181" indent="0">
+              <a:buNone/>
+              <a:defRPr sz="788"/>
             </a:lvl5pPr>
-            <a:lvl6pPr marL="1200150" indent="0">
-              <a:buNone/>
-              <a:defRPr sz="1050"/>
+            <a:lvl6pPr marL="900227" indent="0">
+              <a:buNone/>
+              <a:defRPr sz="788"/>
             </a:lvl6pPr>
-            <a:lvl7pPr marL="1440180" indent="0">
-              <a:buNone/>
-              <a:defRPr sz="1050"/>
+            <a:lvl7pPr marL="1080272" indent="0">
+              <a:buNone/>
+              <a:defRPr sz="788"/>
             </a:lvl7pPr>
-            <a:lvl8pPr marL="1680210" indent="0">
-              <a:buNone/>
-              <a:defRPr sz="1050"/>
+            <a:lvl8pPr marL="1260318" indent="0">
+              <a:buNone/>
+              <a:defRPr sz="788"/>
             </a:lvl8pPr>
-            <a:lvl9pPr marL="1920240" indent="0">
-              <a:buNone/>
-              <a:defRPr sz="1050"/>
+            <a:lvl9pPr marL="1440363" indent="0">
+              <a:buNone/>
+              <a:defRPr sz="788"/>
             </a:lvl9pPr>
           </a:lstStyle>
           <a:p>
@@ -2734,8 +3126,8 @@
         </p:nvSpPr>
         <p:spPr>
           <a:xfrm>
-            <a:off x="330667" y="1080135"/>
-            <a:ext cx="1548318" cy="2001084"/>
+            <a:off x="330667" y="877729"/>
+            <a:ext cx="1548318" cy="1626101"/>
           </a:xfrm>
         </p:spPr>
         <p:txBody>
@@ -2743,39 +3135,39 @@
           <a:lstStyle>
             <a:lvl1pPr marL="0" indent="0">
               <a:buNone/>
-              <a:defRPr sz="840"/>
+              <a:defRPr sz="630"/>
             </a:lvl1pPr>
-            <a:lvl2pPr marL="240030" indent="0">
-              <a:buNone/>
-              <a:defRPr sz="735"/>
+            <a:lvl2pPr marL="180045" indent="0">
+              <a:buNone/>
+              <a:defRPr sz="551"/>
             </a:lvl2pPr>
-            <a:lvl3pPr marL="480060" indent="0">
-              <a:buNone/>
-              <a:defRPr sz="630"/>
+            <a:lvl3pPr marL="360091" indent="0">
+              <a:buNone/>
+              <a:defRPr sz="473"/>
             </a:lvl3pPr>
-            <a:lvl4pPr marL="720090" indent="0">
-              <a:buNone/>
-              <a:defRPr sz="525"/>
+            <a:lvl4pPr marL="540136" indent="0">
+              <a:buNone/>
+              <a:defRPr sz="394"/>
             </a:lvl4pPr>
-            <a:lvl5pPr marL="960120" indent="0">
-              <a:buNone/>
-              <a:defRPr sz="525"/>
+            <a:lvl5pPr marL="720181" indent="0">
+              <a:buNone/>
+              <a:defRPr sz="394"/>
             </a:lvl5pPr>
-            <a:lvl6pPr marL="1200150" indent="0">
-              <a:buNone/>
-              <a:defRPr sz="525"/>
+            <a:lvl6pPr marL="900227" indent="0">
+              <a:buNone/>
+              <a:defRPr sz="394"/>
             </a:lvl6pPr>
-            <a:lvl7pPr marL="1440180" indent="0">
-              <a:buNone/>
-              <a:defRPr sz="525"/>
+            <a:lvl7pPr marL="1080272" indent="0">
+              <a:buNone/>
+              <a:defRPr sz="394"/>
             </a:lvl7pPr>
-            <a:lvl8pPr marL="1680210" indent="0">
-              <a:buNone/>
-              <a:defRPr sz="525"/>
+            <a:lvl8pPr marL="1260318" indent="0">
+              <a:buNone/>
+              <a:defRPr sz="394"/>
             </a:lvl8pPr>
-            <a:lvl9pPr marL="1920240" indent="0">
-              <a:buNone/>
-              <a:defRPr sz="525"/>
+            <a:lvl9pPr marL="1440363" indent="0">
+              <a:buNone/>
+              <a:defRPr sz="394"/>
             </a:lvl9pPr>
           </a:lstStyle>
           <a:p>
@@ -2804,7 +3196,7 @@
           <a:p>
             <a:fld id="{7C809603-0A2B-4FAA-8CCA-C215CBD5387F}" type="datetimeFigureOut">
               <a:rPr lang="en-US" smtClean="0"/>
-              <a:t>5/22/2024</a:t>
+              <a:t>9/25/2024</a:t>
             </a:fld>
             <a:endParaRPr lang="en-US"/>
           </a:p>
@@ -2855,7 +3247,7 @@
     </p:spTree>
     <p:extLst>
       <p:ext uri="{BB962C8B-B14F-4D97-AF65-F5344CB8AC3E}">
-        <p14:creationId xmlns:p14="http://schemas.microsoft.com/office/powerpoint/2010/main" val="473074104"/>
+        <p14:creationId xmlns:p14="http://schemas.microsoft.com/office/powerpoint/2010/main" val="3609892890"/>
       </p:ext>
     </p:extLst>
   </p:cSld>
@@ -2899,8 +3291,8 @@
         </p:nvSpPr>
         <p:spPr>
           <a:xfrm>
-            <a:off x="330041" y="191691"/>
-            <a:ext cx="4140518" cy="695921"/>
+            <a:off x="330041" y="155770"/>
+            <a:ext cx="4140518" cy="565512"/>
           </a:xfrm>
           <a:prstGeom prst="rect">
             <a:avLst/>
@@ -2932,8 +3324,8 @@
         </p:nvSpPr>
         <p:spPr>
           <a:xfrm>
-            <a:off x="330041" y="958453"/>
-            <a:ext cx="4140518" cy="2284452"/>
+            <a:off x="330041" y="778849"/>
+            <a:ext cx="4140518" cy="1856370"/>
           </a:xfrm>
           <a:prstGeom prst="rect">
             <a:avLst/>
@@ -2994,8 +3386,8 @@
         </p:nvSpPr>
         <p:spPr>
           <a:xfrm>
-            <a:off x="330041" y="3337084"/>
-            <a:ext cx="1080135" cy="191691"/>
+            <a:off x="330041" y="2711749"/>
+            <a:ext cx="1080135" cy="155770"/>
           </a:xfrm>
           <a:prstGeom prst="rect">
             <a:avLst/>
@@ -3005,7 +3397,7 @@
           <a:bodyPr vert="horz" lIns="91440" tIns="45720" rIns="91440" bIns="45720" rtlCol="0" anchor="ctr"/>
           <a:lstStyle>
             <a:lvl1pPr algn="l">
-              <a:defRPr sz="630">
+              <a:defRPr sz="473">
                 <a:solidFill>
                   <a:schemeClr val="tx1">
                     <a:tint val="75000"/>
@@ -3017,7 +3409,7 @@
           <a:p>
             <a:fld id="{7C809603-0A2B-4FAA-8CCA-C215CBD5387F}" type="datetimeFigureOut">
               <a:rPr lang="en-US" smtClean="0"/>
-              <a:t>5/22/2024</a:t>
+              <a:t>9/25/2024</a:t>
             </a:fld>
             <a:endParaRPr lang="en-US"/>
           </a:p>
@@ -3035,8 +3427,8 @@
         </p:nvSpPr>
         <p:spPr>
           <a:xfrm>
-            <a:off x="1590199" y="3337084"/>
-            <a:ext cx="1620203" cy="191691"/>
+            <a:off x="1590199" y="2711749"/>
+            <a:ext cx="1620203" cy="155770"/>
           </a:xfrm>
           <a:prstGeom prst="rect">
             <a:avLst/>
@@ -3046,7 +3438,7 @@
           <a:bodyPr vert="horz" lIns="91440" tIns="45720" rIns="91440" bIns="45720" rtlCol="0" anchor="ctr"/>
           <a:lstStyle>
             <a:lvl1pPr algn="ctr">
-              <a:defRPr sz="630">
+              <a:defRPr sz="473">
                 <a:solidFill>
                   <a:schemeClr val="tx1">
                     <a:tint val="75000"/>
@@ -3072,8 +3464,8 @@
         </p:nvSpPr>
         <p:spPr>
           <a:xfrm>
-            <a:off x="3390424" y="3337084"/>
-            <a:ext cx="1080135" cy="191691"/>
+            <a:off x="3390424" y="2711749"/>
+            <a:ext cx="1080135" cy="155770"/>
           </a:xfrm>
           <a:prstGeom prst="rect">
             <a:avLst/>
@@ -3083,7 +3475,7 @@
           <a:bodyPr vert="horz" lIns="91440" tIns="45720" rIns="91440" bIns="45720" rtlCol="0" anchor="ctr"/>
           <a:lstStyle>
             <a:lvl1pPr algn="r">
-              <a:defRPr sz="630">
+              <a:defRPr sz="473">
                 <a:solidFill>
                   <a:schemeClr val="tx1">
                     <a:tint val="75000"/>
@@ -3104,27 +3496,27 @@
     </p:spTree>
     <p:extLst>
       <p:ext uri="{BB962C8B-B14F-4D97-AF65-F5344CB8AC3E}">
-        <p14:creationId xmlns:p14="http://schemas.microsoft.com/office/powerpoint/2010/main" val="1297426670"/>
+        <p14:creationId xmlns:p14="http://schemas.microsoft.com/office/powerpoint/2010/main" val="3213574582"/>
       </p:ext>
     </p:extLst>
   </p:cSld>
   <p:clrMap bg1="lt1" tx1="dk1" bg2="lt2" tx2="dk2" accent1="accent1" accent2="accent2" accent3="accent3" accent4="accent4" accent5="accent5" accent6="accent6" hlink="hlink" folHlink="folHlink"/>
   <p:sldLayoutIdLst>
-    <p:sldLayoutId id="2147483829" r:id="rId1"/>
-    <p:sldLayoutId id="2147483830" r:id="rId2"/>
-    <p:sldLayoutId id="2147483831" r:id="rId3"/>
-    <p:sldLayoutId id="2147483832" r:id="rId4"/>
-    <p:sldLayoutId id="2147483833" r:id="rId5"/>
-    <p:sldLayoutId id="2147483834" r:id="rId6"/>
-    <p:sldLayoutId id="2147483835" r:id="rId7"/>
-    <p:sldLayoutId id="2147483836" r:id="rId8"/>
-    <p:sldLayoutId id="2147483837" r:id="rId9"/>
-    <p:sldLayoutId id="2147483838" r:id="rId10"/>
-    <p:sldLayoutId id="2147483839" r:id="rId11"/>
+    <p:sldLayoutId id="2147483841" r:id="rId1"/>
+    <p:sldLayoutId id="2147483842" r:id="rId2"/>
+    <p:sldLayoutId id="2147483843" r:id="rId3"/>
+    <p:sldLayoutId id="2147483844" r:id="rId4"/>
+    <p:sldLayoutId id="2147483845" r:id="rId5"/>
+    <p:sldLayoutId id="2147483846" r:id="rId6"/>
+    <p:sldLayoutId id="2147483847" r:id="rId7"/>
+    <p:sldLayoutId id="2147483848" r:id="rId8"/>
+    <p:sldLayoutId id="2147483849" r:id="rId9"/>
+    <p:sldLayoutId id="2147483850" r:id="rId10"/>
+    <p:sldLayoutId id="2147483851" r:id="rId11"/>
   </p:sldLayoutIdLst>
   <p:txStyles>
     <p:titleStyle>
-      <a:lvl1pPr algn="l" defTabSz="480060" rtl="0" eaLnBrk="1" latinLnBrk="0" hangingPunct="1">
+      <a:lvl1pPr algn="l" defTabSz="360091" rtl="0" eaLnBrk="1" latinLnBrk="0" hangingPunct="1">
         <a:lnSpc>
           <a:spcPct val="90000"/>
         </a:lnSpc>
@@ -3132,7 +3524,7 @@
           <a:spcPct val="0"/>
         </a:spcBef>
         <a:buNone/>
-        <a:defRPr sz="2310" kern="1200">
+        <a:defRPr sz="1733" kern="1200">
           <a:solidFill>
             <a:schemeClr val="tx1"/>
           </a:solidFill>
@@ -3143,16 +3535,16 @@
       </a:lvl1pPr>
     </p:titleStyle>
     <p:bodyStyle>
-      <a:lvl1pPr marL="120015" indent="-120015" algn="l" defTabSz="480060" rtl="0" eaLnBrk="1" latinLnBrk="0" hangingPunct="1">
+      <a:lvl1pPr marL="90023" indent="-90023" algn="l" defTabSz="360091" rtl="0" eaLnBrk="1" latinLnBrk="0" hangingPunct="1">
         <a:lnSpc>
           <a:spcPct val="90000"/>
         </a:lnSpc>
         <a:spcBef>
-          <a:spcPts val="525"/>
+          <a:spcPts val="394"/>
         </a:spcBef>
         <a:buFont typeface="Arial" panose="020B0604020202020204" pitchFamily="34" charset="0"/>
         <a:buChar char="•"/>
-        <a:defRPr sz="1470" kern="1200">
+        <a:defRPr sz="1103" kern="1200">
           <a:solidFill>
             <a:schemeClr val="tx1"/>
           </a:solidFill>
@@ -3161,48 +3553,12 @@
           <a:cs typeface="+mn-cs"/>
         </a:defRPr>
       </a:lvl1pPr>
-      <a:lvl2pPr marL="360045" indent="-120015" algn="l" defTabSz="480060" rtl="0" eaLnBrk="1" latinLnBrk="0" hangingPunct="1">
+      <a:lvl2pPr marL="270068" indent="-90023" algn="l" defTabSz="360091" rtl="0" eaLnBrk="1" latinLnBrk="0" hangingPunct="1">
         <a:lnSpc>
           <a:spcPct val="90000"/>
         </a:lnSpc>
         <a:spcBef>
-          <a:spcPts val="263"/>
-        </a:spcBef>
-        <a:buFont typeface="Arial" panose="020B0604020202020204" pitchFamily="34" charset="0"/>
-        <a:buChar char="•"/>
-        <a:defRPr sz="1260" kern="1200">
-          <a:solidFill>
-            <a:schemeClr val="tx1"/>
-          </a:solidFill>
-          <a:latin typeface="+mn-lt"/>
-          <a:ea typeface="+mn-ea"/>
-          <a:cs typeface="+mn-cs"/>
-        </a:defRPr>
-      </a:lvl2pPr>
-      <a:lvl3pPr marL="600075" indent="-120015" algn="l" defTabSz="480060" rtl="0" eaLnBrk="1" latinLnBrk="0" hangingPunct="1">
-        <a:lnSpc>
-          <a:spcPct val="90000"/>
-        </a:lnSpc>
-        <a:spcBef>
-          <a:spcPts val="263"/>
-        </a:spcBef>
-        <a:buFont typeface="Arial" panose="020B0604020202020204" pitchFamily="34" charset="0"/>
-        <a:buChar char="•"/>
-        <a:defRPr sz="1050" kern="1200">
-          <a:solidFill>
-            <a:schemeClr val="tx1"/>
-          </a:solidFill>
-          <a:latin typeface="+mn-lt"/>
-          <a:ea typeface="+mn-ea"/>
-          <a:cs typeface="+mn-cs"/>
-        </a:defRPr>
-      </a:lvl3pPr>
-      <a:lvl4pPr marL="840105" indent="-120015" algn="l" defTabSz="480060" rtl="0" eaLnBrk="1" latinLnBrk="0" hangingPunct="1">
-        <a:lnSpc>
-          <a:spcPct val="90000"/>
-        </a:lnSpc>
-        <a:spcBef>
-          <a:spcPts val="263"/>
+          <a:spcPts val="197"/>
         </a:spcBef>
         <a:buFont typeface="Arial" panose="020B0604020202020204" pitchFamily="34" charset="0"/>
         <a:buChar char="•"/>
@@ -3214,17 +3570,53 @@
           <a:ea typeface="+mn-ea"/>
           <a:cs typeface="+mn-cs"/>
         </a:defRPr>
-      </a:lvl4pPr>
-      <a:lvl5pPr marL="1080135" indent="-120015" algn="l" defTabSz="480060" rtl="0" eaLnBrk="1" latinLnBrk="0" hangingPunct="1">
+      </a:lvl2pPr>
+      <a:lvl3pPr marL="450113" indent="-90023" algn="l" defTabSz="360091" rtl="0" eaLnBrk="1" latinLnBrk="0" hangingPunct="1">
         <a:lnSpc>
           <a:spcPct val="90000"/>
         </a:lnSpc>
         <a:spcBef>
-          <a:spcPts val="263"/>
+          <a:spcPts val="197"/>
         </a:spcBef>
         <a:buFont typeface="Arial" panose="020B0604020202020204" pitchFamily="34" charset="0"/>
         <a:buChar char="•"/>
-        <a:defRPr sz="945" kern="1200">
+        <a:defRPr sz="788" kern="1200">
+          <a:solidFill>
+            <a:schemeClr val="tx1"/>
+          </a:solidFill>
+          <a:latin typeface="+mn-lt"/>
+          <a:ea typeface="+mn-ea"/>
+          <a:cs typeface="+mn-cs"/>
+        </a:defRPr>
+      </a:lvl3pPr>
+      <a:lvl4pPr marL="630159" indent="-90023" algn="l" defTabSz="360091" rtl="0" eaLnBrk="1" latinLnBrk="0" hangingPunct="1">
+        <a:lnSpc>
+          <a:spcPct val="90000"/>
+        </a:lnSpc>
+        <a:spcBef>
+          <a:spcPts val="197"/>
+        </a:spcBef>
+        <a:buFont typeface="Arial" panose="020B0604020202020204" pitchFamily="34" charset="0"/>
+        <a:buChar char="•"/>
+        <a:defRPr sz="709" kern="1200">
+          <a:solidFill>
+            <a:schemeClr val="tx1"/>
+          </a:solidFill>
+          <a:latin typeface="+mn-lt"/>
+          <a:ea typeface="+mn-ea"/>
+          <a:cs typeface="+mn-cs"/>
+        </a:defRPr>
+      </a:lvl4pPr>
+      <a:lvl5pPr marL="810204" indent="-90023" algn="l" defTabSz="360091" rtl="0" eaLnBrk="1" latinLnBrk="0" hangingPunct="1">
+        <a:lnSpc>
+          <a:spcPct val="90000"/>
+        </a:lnSpc>
+        <a:spcBef>
+          <a:spcPts val="197"/>
+        </a:spcBef>
+        <a:buFont typeface="Arial" panose="020B0604020202020204" pitchFamily="34" charset="0"/>
+        <a:buChar char="•"/>
+        <a:defRPr sz="709" kern="1200">
           <a:solidFill>
             <a:schemeClr val="tx1"/>
           </a:solidFill>
@@ -3233,16 +3625,16 @@
           <a:cs typeface="+mn-cs"/>
         </a:defRPr>
       </a:lvl5pPr>
-      <a:lvl6pPr marL="1320165" indent="-120015" algn="l" defTabSz="480060" rtl="0" eaLnBrk="1" latinLnBrk="0" hangingPunct="1">
+      <a:lvl6pPr marL="990249" indent="-90023" algn="l" defTabSz="360091" rtl="0" eaLnBrk="1" latinLnBrk="0" hangingPunct="1">
         <a:lnSpc>
           <a:spcPct val="90000"/>
         </a:lnSpc>
         <a:spcBef>
-          <a:spcPts val="263"/>
+          <a:spcPts val="197"/>
         </a:spcBef>
         <a:buFont typeface="Arial" panose="020B0604020202020204" pitchFamily="34" charset="0"/>
         <a:buChar char="•"/>
-        <a:defRPr sz="945" kern="1200">
+        <a:defRPr sz="709" kern="1200">
           <a:solidFill>
             <a:schemeClr val="tx1"/>
           </a:solidFill>
@@ -3251,16 +3643,16 @@
           <a:cs typeface="+mn-cs"/>
         </a:defRPr>
       </a:lvl6pPr>
-      <a:lvl7pPr marL="1560195" indent="-120015" algn="l" defTabSz="480060" rtl="0" eaLnBrk="1" latinLnBrk="0" hangingPunct="1">
+      <a:lvl7pPr marL="1170295" indent="-90023" algn="l" defTabSz="360091" rtl="0" eaLnBrk="1" latinLnBrk="0" hangingPunct="1">
         <a:lnSpc>
           <a:spcPct val="90000"/>
         </a:lnSpc>
         <a:spcBef>
-          <a:spcPts val="263"/>
+          <a:spcPts val="197"/>
         </a:spcBef>
         <a:buFont typeface="Arial" panose="020B0604020202020204" pitchFamily="34" charset="0"/>
         <a:buChar char="•"/>
-        <a:defRPr sz="945" kern="1200">
+        <a:defRPr sz="709" kern="1200">
           <a:solidFill>
             <a:schemeClr val="tx1"/>
           </a:solidFill>
@@ -3269,16 +3661,16 @@
           <a:cs typeface="+mn-cs"/>
         </a:defRPr>
       </a:lvl7pPr>
-      <a:lvl8pPr marL="1800225" indent="-120015" algn="l" defTabSz="480060" rtl="0" eaLnBrk="1" latinLnBrk="0" hangingPunct="1">
+      <a:lvl8pPr marL="1350340" indent="-90023" algn="l" defTabSz="360091" rtl="0" eaLnBrk="1" latinLnBrk="0" hangingPunct="1">
         <a:lnSpc>
           <a:spcPct val="90000"/>
         </a:lnSpc>
         <a:spcBef>
-          <a:spcPts val="263"/>
+          <a:spcPts val="197"/>
         </a:spcBef>
         <a:buFont typeface="Arial" panose="020B0604020202020204" pitchFamily="34" charset="0"/>
         <a:buChar char="•"/>
-        <a:defRPr sz="945" kern="1200">
+        <a:defRPr sz="709" kern="1200">
           <a:solidFill>
             <a:schemeClr val="tx1"/>
           </a:solidFill>
@@ -3287,16 +3679,16 @@
           <a:cs typeface="+mn-cs"/>
         </a:defRPr>
       </a:lvl8pPr>
-      <a:lvl9pPr marL="2040255" indent="-120015" algn="l" defTabSz="480060" rtl="0" eaLnBrk="1" latinLnBrk="0" hangingPunct="1">
+      <a:lvl9pPr marL="1530386" indent="-90023" algn="l" defTabSz="360091" rtl="0" eaLnBrk="1" latinLnBrk="0" hangingPunct="1">
         <a:lnSpc>
           <a:spcPct val="90000"/>
         </a:lnSpc>
         <a:spcBef>
-          <a:spcPts val="263"/>
+          <a:spcPts val="197"/>
         </a:spcBef>
         <a:buFont typeface="Arial" panose="020B0604020202020204" pitchFamily="34" charset="0"/>
         <a:buChar char="•"/>
-        <a:defRPr sz="945" kern="1200">
+        <a:defRPr sz="709" kern="1200">
           <a:solidFill>
             <a:schemeClr val="tx1"/>
           </a:solidFill>
@@ -3310,8 +3702,8 @@
       <a:defPPr>
         <a:defRPr lang="en-US"/>
       </a:defPPr>
-      <a:lvl1pPr marL="0" algn="l" defTabSz="480060" rtl="0" eaLnBrk="1" latinLnBrk="0" hangingPunct="1">
-        <a:defRPr sz="945" kern="1200">
+      <a:lvl1pPr marL="0" algn="l" defTabSz="360091" rtl="0" eaLnBrk="1" latinLnBrk="0" hangingPunct="1">
+        <a:defRPr sz="709" kern="1200">
           <a:solidFill>
             <a:schemeClr val="tx1"/>
           </a:solidFill>
@@ -3320,8 +3712,8 @@
           <a:cs typeface="+mn-cs"/>
         </a:defRPr>
       </a:lvl1pPr>
-      <a:lvl2pPr marL="240030" algn="l" defTabSz="480060" rtl="0" eaLnBrk="1" latinLnBrk="0" hangingPunct="1">
-        <a:defRPr sz="945" kern="1200">
+      <a:lvl2pPr marL="180045" algn="l" defTabSz="360091" rtl="0" eaLnBrk="1" latinLnBrk="0" hangingPunct="1">
+        <a:defRPr sz="709" kern="1200">
           <a:solidFill>
             <a:schemeClr val="tx1"/>
           </a:solidFill>
@@ -3330,8 +3722,8 @@
           <a:cs typeface="+mn-cs"/>
         </a:defRPr>
       </a:lvl2pPr>
-      <a:lvl3pPr marL="480060" algn="l" defTabSz="480060" rtl="0" eaLnBrk="1" latinLnBrk="0" hangingPunct="1">
-        <a:defRPr sz="945" kern="1200">
+      <a:lvl3pPr marL="360091" algn="l" defTabSz="360091" rtl="0" eaLnBrk="1" latinLnBrk="0" hangingPunct="1">
+        <a:defRPr sz="709" kern="1200">
           <a:solidFill>
             <a:schemeClr val="tx1"/>
           </a:solidFill>
@@ -3340,8 +3732,8 @@
           <a:cs typeface="+mn-cs"/>
         </a:defRPr>
       </a:lvl3pPr>
-      <a:lvl4pPr marL="720090" algn="l" defTabSz="480060" rtl="0" eaLnBrk="1" latinLnBrk="0" hangingPunct="1">
-        <a:defRPr sz="945" kern="1200">
+      <a:lvl4pPr marL="540136" algn="l" defTabSz="360091" rtl="0" eaLnBrk="1" latinLnBrk="0" hangingPunct="1">
+        <a:defRPr sz="709" kern="1200">
           <a:solidFill>
             <a:schemeClr val="tx1"/>
           </a:solidFill>
@@ -3350,8 +3742,8 @@
           <a:cs typeface="+mn-cs"/>
         </a:defRPr>
       </a:lvl4pPr>
-      <a:lvl5pPr marL="960120" algn="l" defTabSz="480060" rtl="0" eaLnBrk="1" latinLnBrk="0" hangingPunct="1">
-        <a:defRPr sz="945" kern="1200">
+      <a:lvl5pPr marL="720181" algn="l" defTabSz="360091" rtl="0" eaLnBrk="1" latinLnBrk="0" hangingPunct="1">
+        <a:defRPr sz="709" kern="1200">
           <a:solidFill>
             <a:schemeClr val="tx1"/>
           </a:solidFill>
@@ -3360,8 +3752,8 @@
           <a:cs typeface="+mn-cs"/>
         </a:defRPr>
       </a:lvl5pPr>
-      <a:lvl6pPr marL="1200150" algn="l" defTabSz="480060" rtl="0" eaLnBrk="1" latinLnBrk="0" hangingPunct="1">
-        <a:defRPr sz="945" kern="1200">
+      <a:lvl6pPr marL="900227" algn="l" defTabSz="360091" rtl="0" eaLnBrk="1" latinLnBrk="0" hangingPunct="1">
+        <a:defRPr sz="709" kern="1200">
           <a:solidFill>
             <a:schemeClr val="tx1"/>
           </a:solidFill>
@@ -3370,8 +3762,8 @@
           <a:cs typeface="+mn-cs"/>
         </a:defRPr>
       </a:lvl6pPr>
-      <a:lvl7pPr marL="1440180" algn="l" defTabSz="480060" rtl="0" eaLnBrk="1" latinLnBrk="0" hangingPunct="1">
-        <a:defRPr sz="945" kern="1200">
+      <a:lvl7pPr marL="1080272" algn="l" defTabSz="360091" rtl="0" eaLnBrk="1" latinLnBrk="0" hangingPunct="1">
+        <a:defRPr sz="709" kern="1200">
           <a:solidFill>
             <a:schemeClr val="tx1"/>
           </a:solidFill>
@@ -3380,8 +3772,8 @@
           <a:cs typeface="+mn-cs"/>
         </a:defRPr>
       </a:lvl7pPr>
-      <a:lvl8pPr marL="1680210" algn="l" defTabSz="480060" rtl="0" eaLnBrk="1" latinLnBrk="0" hangingPunct="1">
-        <a:defRPr sz="945" kern="1200">
+      <a:lvl8pPr marL="1260318" algn="l" defTabSz="360091" rtl="0" eaLnBrk="1" latinLnBrk="0" hangingPunct="1">
+        <a:defRPr sz="709" kern="1200">
           <a:solidFill>
             <a:schemeClr val="tx1"/>
           </a:solidFill>
@@ -3390,8 +3782,8 @@
           <a:cs typeface="+mn-cs"/>
         </a:defRPr>
       </a:lvl8pPr>
-      <a:lvl9pPr marL="1920240" algn="l" defTabSz="480060" rtl="0" eaLnBrk="1" latinLnBrk="0" hangingPunct="1">
-        <a:defRPr sz="945" kern="1200">
+      <a:lvl9pPr marL="1440363" algn="l" defTabSz="360091" rtl="0" eaLnBrk="1" latinLnBrk="0" hangingPunct="1">
+        <a:defRPr sz="709" kern="1200">
           <a:solidFill>
             <a:schemeClr val="tx1"/>
           </a:solidFill>
@@ -3436,7 +3828,7 @@
         </p:nvGrpSpPr>
         <p:grpSpPr>
           <a:xfrm>
-            <a:off x="1" y="548594"/>
+            <a:off x="3" y="211250"/>
             <a:ext cx="4751881" cy="2302344"/>
             <a:chOff x="905709" y="457004"/>
             <a:chExt cx="3118270" cy="1726758"/>
@@ -3481,7 +3873,7 @@
             </a:fontRef>
           </p:style>
           <p:txBody>
-            <a:bodyPr rot="0" spcFirstLastPara="0" vertOverflow="overflow" horzOverflow="overflow" vert="horz" wrap="square" lIns="69751" tIns="34876" rIns="69751" bIns="34876" numCol="1" spcCol="0" rtlCol="0" fromWordArt="0" anchor="ctr" anchorCtr="0" forceAA="0" compatLnSpc="1">
+            <a:bodyPr rot="0" spcFirstLastPara="0" vertOverflow="overflow" horzOverflow="overflow" vert="horz" wrap="square" lIns="69752" tIns="34876" rIns="69752" bIns="34876" numCol="1" spcCol="0" rtlCol="0" fromWordArt="0" anchor="ctr" anchorCtr="0" forceAA="0" compatLnSpc="1">
               <a:prstTxWarp prst="textNoShape">
                 <a:avLst/>
               </a:prstTxWarp>
@@ -3615,7 +4007,7 @@
             </a:fontRef>
           </p:style>
           <p:txBody>
-            <a:bodyPr rot="0" spcFirstLastPara="0" vertOverflow="overflow" horzOverflow="overflow" vert="horz" wrap="square" lIns="69751" tIns="34876" rIns="69751" bIns="34876" numCol="1" spcCol="0" rtlCol="0" fromWordArt="0" anchor="ctr" anchorCtr="0" forceAA="0" compatLnSpc="1">
+            <a:bodyPr rot="0" spcFirstLastPara="0" vertOverflow="overflow" horzOverflow="overflow" vert="horz" wrap="square" lIns="69752" tIns="34876" rIns="69752" bIns="34876" numCol="1" spcCol="0" rtlCol="0" fromWordArt="0" anchor="ctr" anchorCtr="0" forceAA="0" compatLnSpc="1">
               <a:prstTxWarp prst="textNoShape">
                 <a:avLst/>
               </a:prstTxWarp>
@@ -3673,7 +4065,7 @@
             </a:fontRef>
           </p:style>
           <p:txBody>
-            <a:bodyPr rot="0" spcFirstLastPara="0" vertOverflow="overflow" horzOverflow="overflow" vert="horz" wrap="square" lIns="69751" tIns="34876" rIns="69751" bIns="34876" numCol="1" spcCol="0" rtlCol="0" fromWordArt="0" anchor="ctr" anchorCtr="0" forceAA="0" compatLnSpc="1">
+            <a:bodyPr rot="0" spcFirstLastPara="0" vertOverflow="overflow" horzOverflow="overflow" vert="horz" wrap="square" lIns="69752" tIns="34876" rIns="69752" bIns="34876" numCol="1" spcCol="0" rtlCol="0" fromWordArt="0" anchor="ctr" anchorCtr="0" forceAA="0" compatLnSpc="1">
               <a:prstTxWarp prst="textNoShape">
                 <a:avLst/>
               </a:prstTxWarp>
@@ -3687,7 +4079,7 @@
                   <a:latin typeface="Times New Roman" panose="02020603050405020304" pitchFamily="18" charset="0"/>
                   <a:cs typeface="Times New Roman" panose="02020603050405020304" pitchFamily="18" charset="0"/>
                 </a:rPr>
-                <a:t>Network segregation</a:t>
+                <a:t>Class-based network homogeneity</a:t>
               </a:r>
             </a:p>
           </p:txBody>
@@ -3731,7 +4123,7 @@
             </a:fontRef>
           </p:style>
           <p:txBody>
-            <a:bodyPr rot="0" spcFirstLastPara="0" vertOverflow="overflow" horzOverflow="overflow" vert="horz" wrap="square" lIns="69751" tIns="34876" rIns="69751" bIns="34876" numCol="1" spcCol="0" rtlCol="0" fromWordArt="0" anchor="ctr" anchorCtr="0" forceAA="0" compatLnSpc="1">
+            <a:bodyPr rot="0" spcFirstLastPara="0" vertOverflow="overflow" horzOverflow="overflow" vert="horz" wrap="square" lIns="69752" tIns="34876" rIns="69752" bIns="34876" numCol="1" spcCol="0" rtlCol="0" fromWordArt="0" anchor="ctr" anchorCtr="0" forceAA="0" compatLnSpc="1">
               <a:prstTxWarp prst="textNoShape">
                 <a:avLst/>
               </a:prstTxWarp>
@@ -3853,7 +4245,7 @@
           <p:spPr>
             <a:xfrm>
               <a:off x="905709" y="829668"/>
-              <a:ext cx="996394" cy="346249"/>
+              <a:ext cx="996394" cy="346538"/>
             </a:xfrm>
             <a:prstGeom prst="rect">
               <a:avLst/>
@@ -3867,26 +4259,26 @@
             <a:lstStyle/>
             <a:p>
               <a:r>
-                <a:rPr lang="en-US" sz="800" dirty="0">
+                <a:rPr lang="en-US" sz="801" dirty="0">
                   <a:latin typeface="Times New Roman" panose="02020603050405020304" pitchFamily="18" charset="0"/>
                   <a:cs typeface="Times New Roman" panose="02020603050405020304" pitchFamily="18" charset="0"/>
                 </a:rPr>
                 <a:t>Country-level</a:t>
               </a:r>
               <a:br>
-                <a:rPr lang="en-US" sz="800" dirty="0">
+                <a:rPr lang="en-US" sz="801" dirty="0">
                   <a:latin typeface="Times New Roman" panose="02020603050405020304" pitchFamily="18" charset="0"/>
                   <a:cs typeface="Times New Roman" panose="02020603050405020304" pitchFamily="18" charset="0"/>
                 </a:rPr>
               </a:br>
               <a:br>
-                <a:rPr lang="en-US" sz="800" dirty="0">
+                <a:rPr lang="en-US" sz="801" dirty="0">
                   <a:latin typeface="Times New Roman" panose="02020603050405020304" pitchFamily="18" charset="0"/>
                   <a:cs typeface="Times New Roman" panose="02020603050405020304" pitchFamily="18" charset="0"/>
                 </a:rPr>
               </a:br>
               <a:r>
-                <a:rPr lang="en-US" sz="800" dirty="0">
+                <a:rPr lang="en-US" sz="801" dirty="0">
                   <a:latin typeface="Times New Roman" panose="02020603050405020304" pitchFamily="18" charset="0"/>
                   <a:cs typeface="Times New Roman" panose="02020603050405020304" pitchFamily="18" charset="0"/>
                 </a:rPr>
@@ -3910,8 +4302,8 @@
         </p:nvSpPr>
         <p:spPr>
           <a:xfrm>
-            <a:off x="2391215" y="1973141"/>
-            <a:ext cx="309700" cy="215444"/>
+            <a:off x="2391215" y="1635798"/>
+            <a:ext cx="309700" cy="215572"/>
           </a:xfrm>
           <a:prstGeom prst="rect">
             <a:avLst/>
@@ -3925,7 +4317,7 @@
           <a:lstStyle/>
           <a:p>
             <a:r>
-              <a:rPr lang="en-US" sz="800" dirty="0">
+              <a:rPr lang="en-US" sz="801" dirty="0">
                 <a:latin typeface="Times New Roman" panose="02020603050405020304" pitchFamily="18" charset="0"/>
                 <a:cs typeface="Times New Roman" panose="02020603050405020304" pitchFamily="18" charset="0"/>
               </a:rPr>
@@ -3948,8 +4340,8 @@
         </p:nvSpPr>
         <p:spPr>
           <a:xfrm>
-            <a:off x="1408619" y="1672996"/>
-            <a:ext cx="309700" cy="215444"/>
+            <a:off x="1408620" y="1335653"/>
+            <a:ext cx="309700" cy="215572"/>
           </a:xfrm>
           <a:prstGeom prst="rect">
             <a:avLst/>
@@ -3963,7 +4355,7 @@
           <a:lstStyle/>
           <a:p>
             <a:r>
-              <a:rPr lang="en-US" sz="800" dirty="0">
+              <a:rPr lang="en-US" sz="801" dirty="0">
                 <a:latin typeface="Times New Roman" panose="02020603050405020304" pitchFamily="18" charset="0"/>
                 <a:cs typeface="Times New Roman" panose="02020603050405020304" pitchFamily="18" charset="0"/>
               </a:rPr>
